--- a/Chatbot Response System.pptx
+++ b/Chatbot Response System.pptx
@@ -6853,7 +6853,7 @@
           </a:bodyPr>
           <a:lstStyle/>
           <a:p>
-            <a:pPr indent="-317500" lvl="0" marL="457200" rtl="0" algn="l">
+            <a:pPr indent="-323850" lvl="0" marL="457200" rtl="0" algn="l">
               <a:spcBef>
                 <a:spcPts val="0"/>
               </a:spcBef>
@@ -6863,18 +6863,18 @@
               <a:buClr>
                 <a:schemeClr val="dk1"/>
               </a:buClr>
-              <a:buSzPts val="1400"/>
+              <a:buSzPts val="1500"/>
               <a:buChar char="●"/>
             </a:pPr>
             <a:r>
-              <a:rPr b="1" lang="en" sz="1400">
+              <a:rPr b="1" lang="en" sz="1500">
                 <a:solidFill>
                   <a:schemeClr val="dk1"/>
                 </a:solidFill>
               </a:rPr>
               <a:t>Plugins/Components</a:t>
             </a:r>
-            <a:endParaRPr b="1" sz="1400">
+            <a:endParaRPr b="1" sz="1500">
               <a:solidFill>
                 <a:schemeClr val="dk1"/>
               </a:solidFill>
@@ -6958,7 +6958,7 @@
             </a:endParaRPr>
           </a:p>
           <a:p>
-            <a:pPr indent="-317500" lvl="0" marL="457200" rtl="0" algn="l">
+            <a:pPr indent="-323850" lvl="0" marL="457200" rtl="0" algn="l">
               <a:spcBef>
                 <a:spcPts val="0"/>
               </a:spcBef>
@@ -6968,18 +6968,18 @@
               <a:buClr>
                 <a:schemeClr val="dk1"/>
               </a:buClr>
-              <a:buSzPts val="1400"/>
+              <a:buSzPts val="1500"/>
               <a:buChar char="●"/>
             </a:pPr>
             <a:r>
-              <a:rPr b="1" lang="en" sz="1400">
+              <a:rPr b="1" lang="en" sz="1500">
                 <a:solidFill>
                   <a:schemeClr val="dk1"/>
                 </a:solidFill>
               </a:rPr>
               <a:t>Node Server / Traffic Server</a:t>
             </a:r>
-            <a:endParaRPr b="1" sz="1400">
+            <a:endParaRPr b="1" sz="1500">
               <a:solidFill>
                 <a:schemeClr val="dk1"/>
               </a:solidFill>
@@ -7063,7 +7063,7 @@
             </a:endParaRPr>
           </a:p>
           <a:p>
-            <a:pPr indent="-317500" lvl="0" marL="457200" rtl="0" algn="l">
+            <a:pPr indent="-323850" lvl="0" marL="457200" rtl="0" algn="l">
               <a:spcBef>
                 <a:spcPts val="0"/>
               </a:spcBef>
@@ -7073,18 +7073,18 @@
               <a:buClr>
                 <a:schemeClr val="dk1"/>
               </a:buClr>
-              <a:buSzPts val="1400"/>
+              <a:buSzPts val="1500"/>
               <a:buChar char="●"/>
             </a:pPr>
             <a:r>
-              <a:rPr b="1" lang="en" sz="1400">
+              <a:rPr b="1" lang="en" sz="1500">
                 <a:solidFill>
                   <a:schemeClr val="dk1"/>
                 </a:solidFill>
               </a:rPr>
               <a:t>Front-end Systems</a:t>
             </a:r>
-            <a:endParaRPr b="1" sz="1400">
+            <a:endParaRPr b="1" sz="1500">
               <a:solidFill>
                 <a:schemeClr val="dk1"/>
               </a:solidFill>
@@ -7851,35 +7851,6 @@
                   <a:schemeClr val="dk1"/>
                 </a:solidFill>
               </a:rPr>
-              <a:t>Naïve Bayes</a:t>
-            </a:r>
-            <a:endParaRPr sz="1500">
-              <a:solidFill>
-                <a:schemeClr val="dk1"/>
-              </a:solidFill>
-            </a:endParaRPr>
-          </a:p>
-          <a:p>
-            <a:pPr indent="0" lvl="0" marL="457200" rtl="0" algn="l">
-              <a:spcBef>
-                <a:spcPts val="0"/>
-              </a:spcBef>
-              <a:spcAft>
-                <a:spcPts val="0"/>
-              </a:spcAft>
-              <a:buClr>
-                <a:schemeClr val="dk1"/>
-              </a:buClr>
-              <a:buSzPts val="1100"/>
-              <a:buFont typeface="Arial"/>
-              <a:buNone/>
-            </a:pPr>
-            <a:r>
-              <a:rPr lang="en" sz="1500">
-                <a:solidFill>
-                  <a:schemeClr val="dk1"/>
-                </a:solidFill>
-              </a:rPr>
               <a:t>Sequence to Sequence (seq2seq) model</a:t>
             </a:r>
             <a:endParaRPr sz="1500">
@@ -8365,34 +8336,6 @@
                   <a:schemeClr val="dk1"/>
                 </a:solidFill>
               </a:rPr>
-              <a:t>The hybrid model</a:t>
-            </a:r>
-            <a:endParaRPr>
-              <a:solidFill>
-                <a:schemeClr val="dk1"/>
-              </a:solidFill>
-            </a:endParaRPr>
-          </a:p>
-          <a:p>
-            <a:pPr indent="-342900" lvl="0" marL="457200" rtl="0" algn="l">
-              <a:spcBef>
-                <a:spcPts val="0"/>
-              </a:spcBef>
-              <a:spcAft>
-                <a:spcPts val="0"/>
-              </a:spcAft>
-              <a:buClr>
-                <a:schemeClr val="dk1"/>
-              </a:buClr>
-              <a:buSzPts val="1800"/>
-              <a:buAutoNum type="arabicPeriod"/>
-            </a:pPr>
-            <a:r>
-              <a:rPr lang="en">
-                <a:solidFill>
-                  <a:schemeClr val="dk1"/>
-                </a:solidFill>
-              </a:rPr>
               <a:t>Voice bots</a:t>
             </a:r>
             <a:endParaRPr>
@@ -8558,14 +8501,14 @@
               <a:buNone/>
             </a:pPr>
             <a:r>
-              <a:rPr lang="en" sz="1500">
+              <a:rPr lang="en" sz="1700">
                 <a:solidFill>
                   <a:schemeClr val="dk1"/>
                 </a:solidFill>
               </a:rPr>
               <a:t>Retail and e-commerce</a:t>
             </a:r>
-            <a:endParaRPr sz="1500">
+            <a:endParaRPr sz="1700">
               <a:solidFill>
                 <a:schemeClr val="dk1"/>
               </a:solidFill>
@@ -8690,14 +8633,14 @@
               <a:buNone/>
             </a:pPr>
             <a:r>
-              <a:rPr lang="en" sz="1500">
+              <a:rPr lang="en" sz="1700">
                 <a:solidFill>
                   <a:schemeClr val="dk1"/>
                 </a:solidFill>
               </a:rPr>
               <a:t>Travel and hospitality</a:t>
             </a:r>
-            <a:endParaRPr sz="1500">
+            <a:endParaRPr sz="1700">
               <a:solidFill>
                 <a:schemeClr val="dk1"/>
               </a:solidFill>
@@ -8940,14 +8883,14 @@
               <a:buNone/>
             </a:pPr>
             <a:r>
-              <a:rPr lang="en" sz="1500">
+              <a:rPr lang="en" sz="1700">
                 <a:solidFill>
                   <a:schemeClr val="dk1"/>
                 </a:solidFill>
               </a:rPr>
               <a:t>Banking, finance, and fintech</a:t>
             </a:r>
-            <a:endParaRPr sz="1500">
+            <a:endParaRPr sz="1700">
               <a:solidFill>
                 <a:schemeClr val="dk1"/>
               </a:solidFill>
@@ -9072,14 +9015,14 @@
               <a:buNone/>
             </a:pPr>
             <a:r>
-              <a:rPr lang="en" sz="1500">
+              <a:rPr lang="en" sz="1700">
                 <a:solidFill>
                   <a:schemeClr val="dk1"/>
                 </a:solidFill>
               </a:rPr>
               <a:t>Healthcare</a:t>
             </a:r>
-            <a:endParaRPr sz="1500">
+            <a:endParaRPr sz="1700">
               <a:solidFill>
                 <a:schemeClr val="dk1"/>
               </a:solidFill>
@@ -9275,14 +9218,14 @@
               <a:buNone/>
             </a:pPr>
             <a:r>
-              <a:rPr lang="en" sz="1500">
+              <a:rPr lang="en" sz="1700">
                 <a:solidFill>
                   <a:schemeClr val="dk1"/>
                 </a:solidFill>
               </a:rPr>
               <a:t>Media and entertainment</a:t>
             </a:r>
-            <a:endParaRPr sz="1500">
+            <a:endParaRPr sz="1700">
               <a:solidFill>
                 <a:schemeClr val="dk1"/>
               </a:solidFill>
@@ -9407,14 +9350,14 @@
               <a:buNone/>
             </a:pPr>
             <a:r>
-              <a:rPr lang="en" sz="1500">
+              <a:rPr lang="en" sz="1700">
                 <a:solidFill>
                   <a:schemeClr val="dk1"/>
                 </a:solidFill>
               </a:rPr>
               <a:t>Education</a:t>
             </a:r>
-            <a:endParaRPr sz="1500">
+            <a:endParaRPr sz="1700">
               <a:solidFill>
                 <a:schemeClr val="dk1"/>
               </a:solidFill>
@@ -9835,14 +9778,14 @@
               <a:buNone/>
             </a:pPr>
             <a:r>
-              <a:rPr b="1" lang="en" sz="1500">
+              <a:rPr b="1" lang="en" sz="1700">
                 <a:solidFill>
                   <a:schemeClr val="dk1"/>
                 </a:solidFill>
               </a:rPr>
               <a:t>NLP Engine</a:t>
             </a:r>
-            <a:endParaRPr b="1" sz="1500">
+            <a:endParaRPr b="1" sz="1700">
               <a:solidFill>
                 <a:schemeClr val="dk1"/>
               </a:solidFill>
@@ -10091,14 +10034,14 @@
               <a:buChar char="●"/>
             </a:pPr>
             <a:r>
-              <a:rPr lang="en" sz="1500">
+              <a:rPr b="1" lang="en" sz="1500">
                 <a:solidFill>
                   <a:schemeClr val="dk1"/>
                 </a:solidFill>
               </a:rPr>
               <a:t>Question and Answer System</a:t>
             </a:r>
-            <a:endParaRPr sz="1500">
+            <a:endParaRPr b="1" sz="1500">
               <a:solidFill>
                 <a:schemeClr val="dk1"/>
               </a:solidFill>
@@ -10305,6 +10248,285 @@
 </file>
 
 <file path=ppt/theme/theme1.xml><?xml version="1.0" encoding="utf-8"?>
+<a:theme xmlns:a="http://schemas.openxmlformats.org/drawingml/2006/main" xmlns:r="http://schemas.openxmlformats.org/officeDocument/2006/relationships">
+  <a:themeElements>
+    <a:clrScheme name="Default">
+      <a:dk1>
+        <a:srgbClr val="000000"/>
+      </a:dk1>
+      <a:lt1>
+        <a:srgbClr val="FFFFFF"/>
+      </a:lt1>
+      <a:dk2>
+        <a:srgbClr val="158158"/>
+      </a:dk2>
+      <a:lt2>
+        <a:srgbClr val="F3F3F3"/>
+      </a:lt2>
+      <a:accent1>
+        <a:srgbClr val="058DC7"/>
+      </a:accent1>
+      <a:accent2>
+        <a:srgbClr val="50B432"/>
+      </a:accent2>
+      <a:accent3>
+        <a:srgbClr val="ED561B"/>
+      </a:accent3>
+      <a:accent4>
+        <a:srgbClr val="EDEF00"/>
+      </a:accent4>
+      <a:accent5>
+        <a:srgbClr val="24CBE5"/>
+      </a:accent5>
+      <a:accent6>
+        <a:srgbClr val="64E572"/>
+      </a:accent6>
+      <a:hlink>
+        <a:srgbClr val="2200CC"/>
+      </a:hlink>
+      <a:folHlink>
+        <a:srgbClr val="551A8B"/>
+      </a:folHlink>
+    </a:clrScheme>
+    <a:fontScheme name="Office">
+      <a:majorFont>
+        <a:latin typeface="Arial"/>
+        <a:ea typeface=""/>
+        <a:cs typeface=""/>
+        <a:font script="Jpan" typeface="ＭＳ Ｐゴシック"/>
+        <a:font script="Hang" typeface="맑은 고딕"/>
+        <a:font script="Hans" typeface="宋体"/>
+        <a:font script="Hant" typeface="新細明體"/>
+        <a:font script="Arab" typeface="Times New Roman"/>
+        <a:font script="Hebr" typeface="Times New Roman"/>
+        <a:font script="Thai" typeface="Angsana New"/>
+        <a:font script="Ethi" typeface="Nyala"/>
+        <a:font script="Beng" typeface="Vrinda"/>
+        <a:font script="Gujr" typeface="Shruti"/>
+        <a:font script="Khmr" typeface="MoolBoran"/>
+        <a:font script="Knda" typeface="Tunga"/>
+        <a:font script="Guru" typeface="Raavi"/>
+        <a:font script="Cans" typeface="Euphemia"/>
+        <a:font script="Cher" typeface="Plantagenet Cherokee"/>
+        <a:font script="Yiii" typeface="Microsoft Yi Baiti"/>
+        <a:font script="Tibt" typeface="Microsoft Himalaya"/>
+        <a:font script="Thaa" typeface="MV Boli"/>
+        <a:font script="Deva" typeface="Mangal"/>
+        <a:font script="Telu" typeface="Gautami"/>
+        <a:font script="Taml" typeface="Latha"/>
+        <a:font script="Syrc" typeface="Estrangelo Edessa"/>
+        <a:font script="Orya" typeface="Kalinga"/>
+        <a:font script="Mlym" typeface="Kartika"/>
+        <a:font script="Laoo" typeface="DokChampa"/>
+        <a:font script="Sinh" typeface="Iskoola Pota"/>
+        <a:font script="Mong" typeface="Mongolian Baiti"/>
+        <a:font script="Viet" typeface="Times New Roman"/>
+        <a:font script="Uigh" typeface="Microsoft Uighur"/>
+        <a:font script="Geor" typeface="Sylfaen"/>
+      </a:majorFont>
+      <a:minorFont>
+        <a:latin typeface="Arial"/>
+        <a:ea typeface=""/>
+        <a:cs typeface=""/>
+        <a:font script="Jpan" typeface="ＭＳ Ｐゴシック"/>
+        <a:font script="Hang" typeface="맑은 고딕"/>
+        <a:font script="Hans" typeface="宋体"/>
+        <a:font script="Hant" typeface="新細明體"/>
+        <a:font script="Arab" typeface="Arial"/>
+        <a:font script="Hebr" typeface="Arial"/>
+        <a:font script="Thai" typeface="Cordia New"/>
+        <a:font script="Ethi" typeface="Nyala"/>
+        <a:font script="Beng" typeface="Vrinda"/>
+        <a:font script="Gujr" typeface="Shruti"/>
+        <a:font script="Khmr" typeface="DaunPenh"/>
+        <a:font script="Knda" typeface="Tunga"/>
+        <a:font script="Guru" typeface="Raavi"/>
+        <a:font script="Cans" typeface="Euphemia"/>
+        <a:font script="Cher" typeface="Plantagenet Cherokee"/>
+        <a:font script="Yiii" typeface="Microsoft Yi Baiti"/>
+        <a:font script="Tibt" typeface="Microsoft Himalaya"/>
+        <a:font script="Thaa" typeface="MV Boli"/>
+        <a:font script="Deva" typeface="Mangal"/>
+        <a:font script="Telu" typeface="Gautami"/>
+        <a:font script="Taml" typeface="Latha"/>
+        <a:font script="Syrc" typeface="Estrangelo Edessa"/>
+        <a:font script="Orya" typeface="Kalinga"/>
+        <a:font script="Mlym" typeface="Kartika"/>
+        <a:font script="Laoo" typeface="DokChampa"/>
+        <a:font script="Sinh" typeface="Iskoola Pota"/>
+        <a:font script="Mong" typeface="Mongolian Baiti"/>
+        <a:font script="Viet" typeface="Arial"/>
+        <a:font script="Uigh" typeface="Microsoft Uighur"/>
+        <a:font script="Geor" typeface="Sylfaen"/>
+      </a:minorFont>
+    </a:fontScheme>
+    <a:fmtScheme name="Office">
+      <a:fillStyleLst>
+        <a:solidFill>
+          <a:schemeClr val="phClr"/>
+        </a:solidFill>
+        <a:gradFill rotWithShape="1">
+          <a:gsLst>
+            <a:gs pos="0">
+              <a:schemeClr val="phClr">
+                <a:tint val="50000"/>
+                <a:satMod val="300000"/>
+              </a:schemeClr>
+            </a:gs>
+            <a:gs pos="35000">
+              <a:schemeClr val="phClr">
+                <a:tint val="37000"/>
+                <a:satMod val="300000"/>
+              </a:schemeClr>
+            </a:gs>
+            <a:gs pos="100000">
+              <a:schemeClr val="phClr">
+                <a:tint val="15000"/>
+                <a:satMod val="350000"/>
+              </a:schemeClr>
+            </a:gs>
+          </a:gsLst>
+          <a:lin ang="16200000" scaled="1"/>
+        </a:gradFill>
+        <a:gradFill rotWithShape="1">
+          <a:gsLst>
+            <a:gs pos="0">
+              <a:schemeClr val="phClr">
+                <a:tint val="100000"/>
+                <a:shade val="100000"/>
+                <a:satMod val="130000"/>
+              </a:schemeClr>
+            </a:gs>
+            <a:gs pos="100000">
+              <a:schemeClr val="phClr">
+                <a:tint val="50000"/>
+                <a:shade val="100000"/>
+                <a:satMod val="350000"/>
+              </a:schemeClr>
+            </a:gs>
+          </a:gsLst>
+          <a:lin ang="16200000" scaled="0"/>
+        </a:gradFill>
+      </a:fillStyleLst>
+      <a:lnStyleLst>
+        <a:ln w="9525" cap="flat" cmpd="sng" algn="ctr">
+          <a:solidFill>
+            <a:schemeClr val="phClr">
+              <a:shade val="95000"/>
+              <a:satMod val="105000"/>
+            </a:schemeClr>
+          </a:solidFill>
+          <a:prstDash val="solid"/>
+        </a:ln>
+        <a:ln w="25400" cap="flat" cmpd="sng" algn="ctr">
+          <a:solidFill>
+            <a:schemeClr val="phClr"/>
+          </a:solidFill>
+          <a:prstDash val="solid"/>
+        </a:ln>
+        <a:ln w="38100" cap="flat" cmpd="sng" algn="ctr">
+          <a:solidFill>
+            <a:schemeClr val="phClr"/>
+          </a:solidFill>
+          <a:prstDash val="solid"/>
+        </a:ln>
+      </a:lnStyleLst>
+      <a:effectStyleLst>
+        <a:effectStyle>
+          <a:effectLst>
+            <a:outerShdw blurRad="40000" dist="20000" dir="5400000" rotWithShape="0">
+              <a:srgbClr val="000000">
+                <a:alpha val="38000"/>
+              </a:srgbClr>
+            </a:outerShdw>
+          </a:effectLst>
+        </a:effectStyle>
+        <a:effectStyle>
+          <a:effectLst>
+            <a:outerShdw blurRad="40000" dist="23000" dir="5400000" rotWithShape="0">
+              <a:srgbClr val="000000">
+                <a:alpha val="35000"/>
+              </a:srgbClr>
+            </a:outerShdw>
+          </a:effectLst>
+        </a:effectStyle>
+        <a:effectStyle>
+          <a:effectLst>
+            <a:outerShdw blurRad="40000" dist="23000" dir="5400000" rotWithShape="0">
+              <a:srgbClr val="000000">
+                <a:alpha val="35000"/>
+              </a:srgbClr>
+            </a:outerShdw>
+          </a:effectLst>
+          <a:scene3d>
+            <a:camera prst="orthographicFront">
+              <a:rot lat="0" lon="0" rev="0"/>
+            </a:camera>
+            <a:lightRig rig="threePt" dir="t">
+              <a:rot lat="0" lon="0" rev="1200000"/>
+            </a:lightRig>
+          </a:scene3d>
+          <a:sp3d>
+            <a:bevelT w="63500" h="25400"/>
+          </a:sp3d>
+        </a:effectStyle>
+      </a:effectStyleLst>
+      <a:bgFillStyleLst>
+        <a:solidFill>
+          <a:schemeClr val="phClr"/>
+        </a:solidFill>
+        <a:gradFill rotWithShape="1">
+          <a:gsLst>
+            <a:gs pos="0">
+              <a:schemeClr val="phClr">
+                <a:tint val="40000"/>
+                <a:satMod val="350000"/>
+              </a:schemeClr>
+            </a:gs>
+            <a:gs pos="40000">
+              <a:schemeClr val="phClr">
+                <a:tint val="45000"/>
+                <a:shade val="99000"/>
+                <a:satMod val="350000"/>
+              </a:schemeClr>
+            </a:gs>
+            <a:gs pos="100000">
+              <a:schemeClr val="phClr">
+                <a:shade val="20000"/>
+                <a:satMod val="255000"/>
+              </a:schemeClr>
+            </a:gs>
+          </a:gsLst>
+          <a:path path="circle">
+            <a:fillToRect l="50000" t="-80000" r="50000" b="180000"/>
+          </a:path>
+        </a:gradFill>
+        <a:gradFill rotWithShape="1">
+          <a:gsLst>
+            <a:gs pos="0">
+              <a:schemeClr val="phClr">
+                <a:tint val="80000"/>
+                <a:satMod val="300000"/>
+              </a:schemeClr>
+            </a:gs>
+            <a:gs pos="100000">
+              <a:schemeClr val="phClr">
+                <a:shade val="30000"/>
+                <a:satMod val="200000"/>
+              </a:schemeClr>
+            </a:gs>
+          </a:gsLst>
+          <a:path path="circle">
+            <a:fillToRect l="50000" t="50000" r="50000" b="50000"/>
+          </a:path>
+        </a:gradFill>
+      </a:bgFillStyleLst>
+    </a:fmtScheme>
+  </a:themeElements>
+</a:theme>
+</file>
+
+<file path=ppt/theme/theme2.xml><?xml version="1.0" encoding="utf-8"?>
 <a:theme xmlns:a="http://schemas.openxmlformats.org/drawingml/2006/main" xmlns:r="http://schemas.openxmlformats.org/officeDocument/2006/relationships" name="Simple Light">
   <a:themeElements>
     <a:clrScheme name="Simple Light">
@@ -10581,283 +10803,4 @@
     </a:fmtScheme>
   </a:themeElements>
 </a:theme>
-</file>
-
-<file path=ppt/theme/theme2.xml><?xml version="1.0" encoding="utf-8"?>
-<a:theme xmlns:a="http://schemas.openxmlformats.org/drawingml/2006/main" xmlns:r="http://schemas.openxmlformats.org/officeDocument/2006/relationships">
-  <a:themeElements>
-    <a:clrScheme name="Default">
-      <a:dk1>
-        <a:srgbClr val="000000"/>
-      </a:dk1>
-      <a:lt1>
-        <a:srgbClr val="FFFFFF"/>
-      </a:lt1>
-      <a:dk2>
-        <a:srgbClr val="158158"/>
-      </a:dk2>
-      <a:lt2>
-        <a:srgbClr val="F3F3F3"/>
-      </a:lt2>
-      <a:accent1>
-        <a:srgbClr val="058DC7"/>
-      </a:accent1>
-      <a:accent2>
-        <a:srgbClr val="50B432"/>
-      </a:accent2>
-      <a:accent3>
-        <a:srgbClr val="ED561B"/>
-      </a:accent3>
-      <a:accent4>
-        <a:srgbClr val="EDEF00"/>
-      </a:accent4>
-      <a:accent5>
-        <a:srgbClr val="24CBE5"/>
-      </a:accent5>
-      <a:accent6>
-        <a:srgbClr val="64E572"/>
-      </a:accent6>
-      <a:hlink>
-        <a:srgbClr val="2200CC"/>
-      </a:hlink>
-      <a:folHlink>
-        <a:srgbClr val="551A8B"/>
-      </a:folHlink>
-    </a:clrScheme>
-    <a:fontScheme name="Office">
-      <a:majorFont>
-        <a:latin typeface="Arial"/>
-        <a:ea typeface=""/>
-        <a:cs typeface=""/>
-        <a:font script="Jpan" typeface="ＭＳ Ｐゴシック"/>
-        <a:font script="Hang" typeface="맑은 고딕"/>
-        <a:font script="Hans" typeface="宋体"/>
-        <a:font script="Hant" typeface="新細明體"/>
-        <a:font script="Arab" typeface="Times New Roman"/>
-        <a:font script="Hebr" typeface="Times New Roman"/>
-        <a:font script="Thai" typeface="Angsana New"/>
-        <a:font script="Ethi" typeface="Nyala"/>
-        <a:font script="Beng" typeface="Vrinda"/>
-        <a:font script="Gujr" typeface="Shruti"/>
-        <a:font script="Khmr" typeface="MoolBoran"/>
-        <a:font script="Knda" typeface="Tunga"/>
-        <a:font script="Guru" typeface="Raavi"/>
-        <a:font script="Cans" typeface="Euphemia"/>
-        <a:font script="Cher" typeface="Plantagenet Cherokee"/>
-        <a:font script="Yiii" typeface="Microsoft Yi Baiti"/>
-        <a:font script="Tibt" typeface="Microsoft Himalaya"/>
-        <a:font script="Thaa" typeface="MV Boli"/>
-        <a:font script="Deva" typeface="Mangal"/>
-        <a:font script="Telu" typeface="Gautami"/>
-        <a:font script="Taml" typeface="Latha"/>
-        <a:font script="Syrc" typeface="Estrangelo Edessa"/>
-        <a:font script="Orya" typeface="Kalinga"/>
-        <a:font script="Mlym" typeface="Kartika"/>
-        <a:font script="Laoo" typeface="DokChampa"/>
-        <a:font script="Sinh" typeface="Iskoola Pota"/>
-        <a:font script="Mong" typeface="Mongolian Baiti"/>
-        <a:font script="Viet" typeface="Times New Roman"/>
-        <a:font script="Uigh" typeface="Microsoft Uighur"/>
-        <a:font script="Geor" typeface="Sylfaen"/>
-      </a:majorFont>
-      <a:minorFont>
-        <a:latin typeface="Arial"/>
-        <a:ea typeface=""/>
-        <a:cs typeface=""/>
-        <a:font script="Jpan" typeface="ＭＳ Ｐゴシック"/>
-        <a:font script="Hang" typeface="맑은 고딕"/>
-        <a:font script="Hans" typeface="宋体"/>
-        <a:font script="Hant" typeface="新細明體"/>
-        <a:font script="Arab" typeface="Arial"/>
-        <a:font script="Hebr" typeface="Arial"/>
-        <a:font script="Thai" typeface="Cordia New"/>
-        <a:font script="Ethi" typeface="Nyala"/>
-        <a:font script="Beng" typeface="Vrinda"/>
-        <a:font script="Gujr" typeface="Shruti"/>
-        <a:font script="Khmr" typeface="DaunPenh"/>
-        <a:font script="Knda" typeface="Tunga"/>
-        <a:font script="Guru" typeface="Raavi"/>
-        <a:font script="Cans" typeface="Euphemia"/>
-        <a:font script="Cher" typeface="Plantagenet Cherokee"/>
-        <a:font script="Yiii" typeface="Microsoft Yi Baiti"/>
-        <a:font script="Tibt" typeface="Microsoft Himalaya"/>
-        <a:font script="Thaa" typeface="MV Boli"/>
-        <a:font script="Deva" typeface="Mangal"/>
-        <a:font script="Telu" typeface="Gautami"/>
-        <a:font script="Taml" typeface="Latha"/>
-        <a:font script="Syrc" typeface="Estrangelo Edessa"/>
-        <a:font script="Orya" typeface="Kalinga"/>
-        <a:font script="Mlym" typeface="Kartika"/>
-        <a:font script="Laoo" typeface="DokChampa"/>
-        <a:font script="Sinh" typeface="Iskoola Pota"/>
-        <a:font script="Mong" typeface="Mongolian Baiti"/>
-        <a:font script="Viet" typeface="Arial"/>
-        <a:font script="Uigh" typeface="Microsoft Uighur"/>
-        <a:font script="Geor" typeface="Sylfaen"/>
-      </a:minorFont>
-    </a:fontScheme>
-    <a:fmtScheme name="Office">
-      <a:fillStyleLst>
-        <a:solidFill>
-          <a:schemeClr val="phClr"/>
-        </a:solidFill>
-        <a:gradFill rotWithShape="1">
-          <a:gsLst>
-            <a:gs pos="0">
-              <a:schemeClr val="phClr">
-                <a:tint val="50000"/>
-                <a:satMod val="300000"/>
-              </a:schemeClr>
-            </a:gs>
-            <a:gs pos="35000">
-              <a:schemeClr val="phClr">
-                <a:tint val="37000"/>
-                <a:satMod val="300000"/>
-              </a:schemeClr>
-            </a:gs>
-            <a:gs pos="100000">
-              <a:schemeClr val="phClr">
-                <a:tint val="15000"/>
-                <a:satMod val="350000"/>
-              </a:schemeClr>
-            </a:gs>
-          </a:gsLst>
-          <a:lin ang="16200000" scaled="1"/>
-        </a:gradFill>
-        <a:gradFill rotWithShape="1">
-          <a:gsLst>
-            <a:gs pos="0">
-              <a:schemeClr val="phClr">
-                <a:tint val="100000"/>
-                <a:shade val="100000"/>
-                <a:satMod val="130000"/>
-              </a:schemeClr>
-            </a:gs>
-            <a:gs pos="100000">
-              <a:schemeClr val="phClr">
-                <a:tint val="50000"/>
-                <a:shade val="100000"/>
-                <a:satMod val="350000"/>
-              </a:schemeClr>
-            </a:gs>
-          </a:gsLst>
-          <a:lin ang="16200000" scaled="0"/>
-        </a:gradFill>
-      </a:fillStyleLst>
-      <a:lnStyleLst>
-        <a:ln w="9525" cap="flat" cmpd="sng" algn="ctr">
-          <a:solidFill>
-            <a:schemeClr val="phClr">
-              <a:shade val="95000"/>
-              <a:satMod val="105000"/>
-            </a:schemeClr>
-          </a:solidFill>
-          <a:prstDash val="solid"/>
-        </a:ln>
-        <a:ln w="25400" cap="flat" cmpd="sng" algn="ctr">
-          <a:solidFill>
-            <a:schemeClr val="phClr"/>
-          </a:solidFill>
-          <a:prstDash val="solid"/>
-        </a:ln>
-        <a:ln w="38100" cap="flat" cmpd="sng" algn="ctr">
-          <a:solidFill>
-            <a:schemeClr val="phClr"/>
-          </a:solidFill>
-          <a:prstDash val="solid"/>
-        </a:ln>
-      </a:lnStyleLst>
-      <a:effectStyleLst>
-        <a:effectStyle>
-          <a:effectLst>
-            <a:outerShdw blurRad="40000" dist="20000" dir="5400000" rotWithShape="0">
-              <a:srgbClr val="000000">
-                <a:alpha val="38000"/>
-              </a:srgbClr>
-            </a:outerShdw>
-          </a:effectLst>
-        </a:effectStyle>
-        <a:effectStyle>
-          <a:effectLst>
-            <a:outerShdw blurRad="40000" dist="23000" dir="5400000" rotWithShape="0">
-              <a:srgbClr val="000000">
-                <a:alpha val="35000"/>
-              </a:srgbClr>
-            </a:outerShdw>
-          </a:effectLst>
-        </a:effectStyle>
-        <a:effectStyle>
-          <a:effectLst>
-            <a:outerShdw blurRad="40000" dist="23000" dir="5400000" rotWithShape="0">
-              <a:srgbClr val="000000">
-                <a:alpha val="35000"/>
-              </a:srgbClr>
-            </a:outerShdw>
-          </a:effectLst>
-          <a:scene3d>
-            <a:camera prst="orthographicFront">
-              <a:rot lat="0" lon="0" rev="0"/>
-            </a:camera>
-            <a:lightRig rig="threePt" dir="t">
-              <a:rot lat="0" lon="0" rev="1200000"/>
-            </a:lightRig>
-          </a:scene3d>
-          <a:sp3d>
-            <a:bevelT w="63500" h="25400"/>
-          </a:sp3d>
-        </a:effectStyle>
-      </a:effectStyleLst>
-      <a:bgFillStyleLst>
-        <a:solidFill>
-          <a:schemeClr val="phClr"/>
-        </a:solidFill>
-        <a:gradFill rotWithShape="1">
-          <a:gsLst>
-            <a:gs pos="0">
-              <a:schemeClr val="phClr">
-                <a:tint val="40000"/>
-                <a:satMod val="350000"/>
-              </a:schemeClr>
-            </a:gs>
-            <a:gs pos="40000">
-              <a:schemeClr val="phClr">
-                <a:tint val="45000"/>
-                <a:shade val="99000"/>
-                <a:satMod val="350000"/>
-              </a:schemeClr>
-            </a:gs>
-            <a:gs pos="100000">
-              <a:schemeClr val="phClr">
-                <a:shade val="20000"/>
-                <a:satMod val="255000"/>
-              </a:schemeClr>
-            </a:gs>
-          </a:gsLst>
-          <a:path path="circle">
-            <a:fillToRect l="50000" t="-80000" r="50000" b="180000"/>
-          </a:path>
-        </a:gradFill>
-        <a:gradFill rotWithShape="1">
-          <a:gsLst>
-            <a:gs pos="0">
-              <a:schemeClr val="phClr">
-                <a:tint val="80000"/>
-                <a:satMod val="300000"/>
-              </a:schemeClr>
-            </a:gs>
-            <a:gs pos="100000">
-              <a:schemeClr val="phClr">
-                <a:shade val="30000"/>
-                <a:satMod val="200000"/>
-              </a:schemeClr>
-            </a:gs>
-          </a:gsLst>
-          <a:path path="circle">
-            <a:fillToRect l="50000" t="50000" r="50000" b="50000"/>
-          </a:path>
-        </a:gradFill>
-      </a:bgFillStyleLst>
-    </a:fmtScheme>
-  </a:themeElements>
-</a:theme>
 </file>
--- a/Chatbot Response System.pptx
+++ b/Chatbot Response System.pptx
@@ -8206,6 +8206,9 @@
           <a:lstStyle/>
           <a:p>
             <a:pPr indent="-342900" lvl="0" marL="457200" rtl="0" algn="l">
+              <a:lnSpc>
+                <a:spcPct val="150000"/>
+              </a:lnSpc>
               <a:spcBef>
                 <a:spcPts val="0"/>
               </a:spcBef>
@@ -8234,6 +8237,9 @@
           </a:p>
           <a:p>
             <a:pPr indent="-342900" lvl="0" marL="457200" rtl="0" algn="l">
+              <a:lnSpc>
+                <a:spcPct val="150000"/>
+              </a:lnSpc>
               <a:spcBef>
                 <a:spcPts val="0"/>
               </a:spcBef>
@@ -8262,6 +8268,9 @@
           </a:p>
           <a:p>
             <a:pPr indent="-342900" lvl="0" marL="457200" rtl="0" algn="l">
+              <a:lnSpc>
+                <a:spcPct val="150000"/>
+              </a:lnSpc>
               <a:spcBef>
                 <a:spcPts val="0"/>
               </a:spcBef>
@@ -8290,6 +8299,9 @@
           </a:p>
           <a:p>
             <a:pPr indent="-342900" lvl="0" marL="457200" rtl="0" algn="l">
+              <a:lnSpc>
+                <a:spcPct val="150000"/>
+              </a:lnSpc>
               <a:spcBef>
                 <a:spcPts val="0"/>
               </a:spcBef>
@@ -8318,6 +8330,9 @@
           </a:p>
           <a:p>
             <a:pPr indent="-342900" lvl="0" marL="457200" rtl="0" algn="l">
+              <a:lnSpc>
+                <a:spcPct val="150000"/>
+              </a:lnSpc>
               <a:spcBef>
                 <a:spcPts val="0"/>
               </a:spcBef>
@@ -8346,6 +8361,9 @@
           </a:p>
           <a:p>
             <a:pPr indent="-342900" lvl="0" marL="457200" rtl="0" algn="l">
+              <a:lnSpc>
+                <a:spcPct val="150000"/>
+              </a:lnSpc>
               <a:spcBef>
                 <a:spcPts val="0"/>
               </a:spcBef>
@@ -8374,6 +8392,9 @@
           </a:p>
           <a:p>
             <a:pPr indent="-342900" lvl="0" marL="457200" rtl="0" algn="l">
+              <a:lnSpc>
+                <a:spcPct val="150000"/>
+              </a:lnSpc>
               <a:spcBef>
                 <a:spcPts val="0"/>
               </a:spcBef>

--- a/Chatbot Response System.pptx
+++ b/Chatbot Response System.pptx
@@ -21,6 +21,9 @@
     <p:sldId id="266" r:id="rId16"/>
     <p:sldId id="267" r:id="rId17"/>
     <p:sldId id="268" r:id="rId18"/>
+    <p:sldId id="269" r:id="rId19"/>
+    <p:sldId id="270" r:id="rId20"/>
+    <p:sldId id="271" r:id="rId21"/>
   </p:sldIdLst>
   <p:sldSz cy="5143500" cx="9144000"/>
   <p:notesSz cx="6858000" cy="9144000"/>
@@ -802,7 +805,7 @@
   <p:cSld>
     <p:spTree>
       <p:nvGrpSpPr>
-        <p:cNvPr id="102" name="Shape 102"/>
+        <p:cNvPr id="103" name="Shape 103"/>
         <p:cNvGrpSpPr/>
         <p:nvPr/>
       </p:nvGrpSpPr>
@@ -816,7 +819,7 @@
       </p:grpSpPr>
       <p:sp>
         <p:nvSpPr>
-          <p:cNvPr id="103" name="Google Shape;103;g1c0c4312711_0_54:notes"/>
+          <p:cNvPr id="104" name="Google Shape;104;g1c0c4312711_0_49:notes"/>
           <p:cNvSpPr/>
           <p:nvPr>
             <p:ph idx="2" type="sldImg"/>
@@ -851,7 +854,7 @@
       </p:sp>
       <p:sp>
         <p:nvSpPr>
-          <p:cNvPr id="104" name="Google Shape;104;g1c0c4312711_0_54:notes"/>
+          <p:cNvPr id="105" name="Google Shape;105;g1c0c4312711_0_49:notes"/>
           <p:cNvSpPr txBox="1"/>
           <p:nvPr>
             <p:ph idx="1" type="body"/>
@@ -901,7 +904,7 @@
   <p:cSld>
     <p:spTree>
       <p:nvGrpSpPr>
-        <p:cNvPr id="107" name="Shape 107"/>
+        <p:cNvPr id="108" name="Shape 108"/>
         <p:cNvGrpSpPr/>
         <p:nvPr/>
       </p:nvGrpSpPr>
@@ -915,7 +918,7 @@
       </p:grpSpPr>
       <p:sp>
         <p:nvSpPr>
-          <p:cNvPr id="108" name="Google Shape;108;g1c0c4312711_0_59:notes"/>
+          <p:cNvPr id="109" name="Google Shape;109;g1c0c4312711_0_54:notes"/>
           <p:cNvSpPr/>
           <p:nvPr>
             <p:ph idx="2" type="sldImg"/>
@@ -950,7 +953,7 @@
       </p:sp>
       <p:sp>
         <p:nvSpPr>
-          <p:cNvPr id="109" name="Google Shape;109;g1c0c4312711_0_59:notes"/>
+          <p:cNvPr id="110" name="Google Shape;110;g1c0c4312711_0_54:notes"/>
           <p:cNvSpPr txBox="1"/>
           <p:nvPr>
             <p:ph idx="1" type="body"/>
@@ -1014,7 +1017,7 @@
       </p:grpSpPr>
       <p:sp>
         <p:nvSpPr>
-          <p:cNvPr id="114" name="Google Shape;114;g1c0c4312711_0_68:notes"/>
+          <p:cNvPr id="114" name="Google Shape;114;g1c0c645fc20_4_0:notes"/>
           <p:cNvSpPr/>
           <p:nvPr>
             <p:ph idx="2" type="sldImg"/>
@@ -1049,7 +1052,7 @@
       </p:sp>
       <p:sp>
         <p:nvSpPr>
-          <p:cNvPr id="115" name="Google Shape;115;g1c0c4312711_0_68:notes"/>
+          <p:cNvPr id="115" name="Google Shape;115;g1c0c645fc20_4_0:notes"/>
           <p:cNvSpPr txBox="1"/>
           <p:nvPr>
             <p:ph idx="1" type="body"/>
@@ -1099,7 +1102,7 @@
   <p:cSld>
     <p:spTree>
       <p:nvGrpSpPr>
-        <p:cNvPr id="119" name="Shape 119"/>
+        <p:cNvPr id="118" name="Shape 118"/>
         <p:cNvGrpSpPr/>
         <p:nvPr/>
       </p:nvGrpSpPr>
@@ -1113,7 +1116,7 @@
       </p:grpSpPr>
       <p:sp>
         <p:nvSpPr>
-          <p:cNvPr id="120" name="Google Shape;120;g1c0c4312711_0_74:notes"/>
+          <p:cNvPr id="119" name="Google Shape;119;g1c0c4312711_0_59:notes"/>
           <p:cNvSpPr/>
           <p:nvPr>
             <p:ph idx="2" type="sldImg"/>
@@ -1148,7 +1151,304 @@
       </p:sp>
       <p:sp>
         <p:nvSpPr>
-          <p:cNvPr id="121" name="Google Shape;121;g1c0c4312711_0_74:notes"/>
+          <p:cNvPr id="120" name="Google Shape;120;g1c0c4312711_0_59:notes"/>
+          <p:cNvSpPr txBox="1"/>
+          <p:nvPr>
+            <p:ph idx="1" type="body"/>
+          </p:nvPr>
+        </p:nvSpPr>
+        <p:spPr>
+          <a:xfrm>
+            <a:off x="685800" y="4343400"/>
+            <a:ext cx="5486400" cy="4114800"/>
+          </a:xfrm>
+          <a:prstGeom prst="rect">
+            <a:avLst/>
+          </a:prstGeom>
+        </p:spPr>
+        <p:txBody>
+          <a:bodyPr anchorCtr="0" anchor="t" bIns="91425" lIns="91425" spcFirstLastPara="1" rIns="91425" wrap="square" tIns="91425">
+            <a:noAutofit/>
+          </a:bodyPr>
+          <a:lstStyle/>
+          <a:p>
+            <a:pPr indent="0" lvl="0" marL="0" rtl="0" algn="l">
+              <a:spcBef>
+                <a:spcPts val="0"/>
+              </a:spcBef>
+              <a:spcAft>
+                <a:spcPts val="0"/>
+              </a:spcAft>
+              <a:buNone/>
+            </a:pPr>
+            <a:r>
+              <a:t/>
+            </a:r>
+            <a:endParaRPr/>
+          </a:p>
+        </p:txBody>
+      </p:sp>
+    </p:spTree>
+  </p:cSld>
+  <p:clrMapOvr>
+    <a:masterClrMapping/>
+  </p:clrMapOvr>
+</p:notes>
+</file>
+
+<file path=ppt/notesSlides/notesSlide14.xml><?xml version="1.0" encoding="utf-8"?>
+<p:notes xmlns:a="http://schemas.openxmlformats.org/drawingml/2006/main" xmlns:r="http://schemas.openxmlformats.org/officeDocument/2006/relationships" xmlns:mc="http://schemas.openxmlformats.org/markup-compatibility/2006" xmlns:mv="urn:schemas-microsoft-com:mac:vml" xmlns:p="http://schemas.openxmlformats.org/presentationml/2006/main" xmlns:c="http://schemas.openxmlformats.org/drawingml/2006/chart" xmlns:dgm="http://schemas.openxmlformats.org/drawingml/2006/diagram" xmlns:o="urn:schemas-microsoft-com:office:office" xmlns:v="urn:schemas-microsoft-com:vml" xmlns:pvml="urn:schemas-microsoft-com:office:powerpoint" xmlns:com="http://schemas.openxmlformats.org/drawingml/2006/compatibility" xmlns:p14="http://schemas.microsoft.com/office/powerpoint/2010/main" xmlns:p15="http://schemas.microsoft.com/office/powerpoint/2012/main" xmlns:ahyp="http://schemas.microsoft.com/office/drawing/2018/hyperlinkcolor" showMasterPhAnim="0" showMasterSp="0">
+  <p:cSld>
+    <p:spTree>
+      <p:nvGrpSpPr>
+        <p:cNvPr id="124" name="Shape 124"/>
+        <p:cNvGrpSpPr/>
+        <p:nvPr/>
+      </p:nvGrpSpPr>
+      <p:grpSpPr>
+        <a:xfrm>
+          <a:off x="0" y="0"/>
+          <a:ext cx="0" cy="0"/>
+          <a:chOff x="0" y="0"/>
+          <a:chExt cx="0" cy="0"/>
+        </a:xfrm>
+      </p:grpSpPr>
+      <p:sp>
+        <p:nvSpPr>
+          <p:cNvPr id="125" name="Google Shape;125;g1c0c4312711_0_68:notes"/>
+          <p:cNvSpPr/>
+          <p:nvPr>
+            <p:ph idx="2" type="sldImg"/>
+          </p:nvPr>
+        </p:nvSpPr>
+        <p:spPr>
+          <a:xfrm>
+            <a:off x="381300" y="685800"/>
+            <a:ext cx="6096000" cy="3429000"/>
+          </a:xfrm>
+          <a:custGeom>
+            <a:rect b="b" l="l" r="r" t="t"/>
+            <a:pathLst>
+              <a:path extrusionOk="0" h="120000" w="120000">
+                <a:moveTo>
+                  <a:pt x="0" y="0"/>
+                </a:moveTo>
+                <a:lnTo>
+                  <a:pt x="120000" y="0"/>
+                </a:lnTo>
+                <a:lnTo>
+                  <a:pt x="120000" y="120000"/>
+                </a:lnTo>
+                <a:lnTo>
+                  <a:pt x="0" y="120000"/>
+                </a:lnTo>
+                <a:close/>
+              </a:path>
+            </a:pathLst>
+          </a:custGeom>
+        </p:spPr>
+      </p:sp>
+      <p:sp>
+        <p:nvSpPr>
+          <p:cNvPr id="126" name="Google Shape;126;g1c0c4312711_0_68:notes"/>
+          <p:cNvSpPr txBox="1"/>
+          <p:nvPr>
+            <p:ph idx="1" type="body"/>
+          </p:nvPr>
+        </p:nvSpPr>
+        <p:spPr>
+          <a:xfrm>
+            <a:off x="685800" y="4343400"/>
+            <a:ext cx="5486400" cy="4114800"/>
+          </a:xfrm>
+          <a:prstGeom prst="rect">
+            <a:avLst/>
+          </a:prstGeom>
+        </p:spPr>
+        <p:txBody>
+          <a:bodyPr anchorCtr="0" anchor="t" bIns="91425" lIns="91425" spcFirstLastPara="1" rIns="91425" wrap="square" tIns="91425">
+            <a:noAutofit/>
+          </a:bodyPr>
+          <a:lstStyle/>
+          <a:p>
+            <a:pPr indent="0" lvl="0" marL="0" rtl="0" algn="l">
+              <a:spcBef>
+                <a:spcPts val="0"/>
+              </a:spcBef>
+              <a:spcAft>
+                <a:spcPts val="0"/>
+              </a:spcAft>
+              <a:buNone/>
+            </a:pPr>
+            <a:r>
+              <a:t/>
+            </a:r>
+            <a:endParaRPr/>
+          </a:p>
+        </p:txBody>
+      </p:sp>
+    </p:spTree>
+  </p:cSld>
+  <p:clrMapOvr>
+    <a:masterClrMapping/>
+  </p:clrMapOvr>
+</p:notes>
+</file>
+
+<file path=ppt/notesSlides/notesSlide15.xml><?xml version="1.0" encoding="utf-8"?>
+<p:notes xmlns:a="http://schemas.openxmlformats.org/drawingml/2006/main" xmlns:r="http://schemas.openxmlformats.org/officeDocument/2006/relationships" xmlns:mc="http://schemas.openxmlformats.org/markup-compatibility/2006" xmlns:mv="urn:schemas-microsoft-com:mac:vml" xmlns:p="http://schemas.openxmlformats.org/presentationml/2006/main" xmlns:c="http://schemas.openxmlformats.org/drawingml/2006/chart" xmlns:dgm="http://schemas.openxmlformats.org/drawingml/2006/diagram" xmlns:o="urn:schemas-microsoft-com:office:office" xmlns:v="urn:schemas-microsoft-com:vml" xmlns:pvml="urn:schemas-microsoft-com:office:powerpoint" xmlns:com="http://schemas.openxmlformats.org/drawingml/2006/compatibility" xmlns:p14="http://schemas.microsoft.com/office/powerpoint/2010/main" xmlns:p15="http://schemas.microsoft.com/office/powerpoint/2012/main" xmlns:ahyp="http://schemas.microsoft.com/office/drawing/2018/hyperlinkcolor" showMasterPhAnim="0" showMasterSp="0">
+  <p:cSld>
+    <p:spTree>
+      <p:nvGrpSpPr>
+        <p:cNvPr id="130" name="Shape 130"/>
+        <p:cNvGrpSpPr/>
+        <p:nvPr/>
+      </p:nvGrpSpPr>
+      <p:grpSpPr>
+        <a:xfrm>
+          <a:off x="0" y="0"/>
+          <a:ext cx="0" cy="0"/>
+          <a:chOff x="0" y="0"/>
+          <a:chExt cx="0" cy="0"/>
+        </a:xfrm>
+      </p:grpSpPr>
+      <p:sp>
+        <p:nvSpPr>
+          <p:cNvPr id="131" name="Google Shape;131;g1c0c4312711_0_74:notes"/>
+          <p:cNvSpPr/>
+          <p:nvPr>
+            <p:ph idx="2" type="sldImg"/>
+          </p:nvPr>
+        </p:nvSpPr>
+        <p:spPr>
+          <a:xfrm>
+            <a:off x="381300" y="685800"/>
+            <a:ext cx="6096000" cy="3429000"/>
+          </a:xfrm>
+          <a:custGeom>
+            <a:rect b="b" l="l" r="r" t="t"/>
+            <a:pathLst>
+              <a:path extrusionOk="0" h="120000" w="120000">
+                <a:moveTo>
+                  <a:pt x="0" y="0"/>
+                </a:moveTo>
+                <a:lnTo>
+                  <a:pt x="120000" y="0"/>
+                </a:lnTo>
+                <a:lnTo>
+                  <a:pt x="120000" y="120000"/>
+                </a:lnTo>
+                <a:lnTo>
+                  <a:pt x="0" y="120000"/>
+                </a:lnTo>
+                <a:close/>
+              </a:path>
+            </a:pathLst>
+          </a:custGeom>
+        </p:spPr>
+      </p:sp>
+      <p:sp>
+        <p:nvSpPr>
+          <p:cNvPr id="132" name="Google Shape;132;g1c0c4312711_0_74:notes"/>
+          <p:cNvSpPr txBox="1"/>
+          <p:nvPr>
+            <p:ph idx="1" type="body"/>
+          </p:nvPr>
+        </p:nvSpPr>
+        <p:spPr>
+          <a:xfrm>
+            <a:off x="685800" y="4343400"/>
+            <a:ext cx="5486400" cy="4114800"/>
+          </a:xfrm>
+          <a:prstGeom prst="rect">
+            <a:avLst/>
+          </a:prstGeom>
+        </p:spPr>
+        <p:txBody>
+          <a:bodyPr anchorCtr="0" anchor="t" bIns="91425" lIns="91425" spcFirstLastPara="1" rIns="91425" wrap="square" tIns="91425">
+            <a:noAutofit/>
+          </a:bodyPr>
+          <a:lstStyle/>
+          <a:p>
+            <a:pPr indent="0" lvl="0" marL="0" rtl="0" algn="l">
+              <a:spcBef>
+                <a:spcPts val="0"/>
+              </a:spcBef>
+              <a:spcAft>
+                <a:spcPts val="0"/>
+              </a:spcAft>
+              <a:buNone/>
+            </a:pPr>
+            <a:r>
+              <a:t/>
+            </a:r>
+            <a:endParaRPr/>
+          </a:p>
+        </p:txBody>
+      </p:sp>
+    </p:spTree>
+  </p:cSld>
+  <p:clrMapOvr>
+    <a:masterClrMapping/>
+  </p:clrMapOvr>
+</p:notes>
+</file>
+
+<file path=ppt/notesSlides/notesSlide16.xml><?xml version="1.0" encoding="utf-8"?>
+<p:notes xmlns:a="http://schemas.openxmlformats.org/drawingml/2006/main" xmlns:r="http://schemas.openxmlformats.org/officeDocument/2006/relationships" xmlns:mc="http://schemas.openxmlformats.org/markup-compatibility/2006" xmlns:mv="urn:schemas-microsoft-com:mac:vml" xmlns:p="http://schemas.openxmlformats.org/presentationml/2006/main" xmlns:c="http://schemas.openxmlformats.org/drawingml/2006/chart" xmlns:dgm="http://schemas.openxmlformats.org/drawingml/2006/diagram" xmlns:o="urn:schemas-microsoft-com:office:office" xmlns:v="urn:schemas-microsoft-com:vml" xmlns:pvml="urn:schemas-microsoft-com:office:powerpoint" xmlns:com="http://schemas.openxmlformats.org/drawingml/2006/compatibility" xmlns:p14="http://schemas.microsoft.com/office/powerpoint/2010/main" xmlns:p15="http://schemas.microsoft.com/office/powerpoint/2012/main" xmlns:ahyp="http://schemas.microsoft.com/office/drawing/2018/hyperlinkcolor" showMasterPhAnim="0" showMasterSp="0">
+  <p:cSld>
+    <p:spTree>
+      <p:nvGrpSpPr>
+        <p:cNvPr id="136" name="Shape 136"/>
+        <p:cNvGrpSpPr/>
+        <p:nvPr/>
+      </p:nvGrpSpPr>
+      <p:grpSpPr>
+        <a:xfrm>
+          <a:off x="0" y="0"/>
+          <a:ext cx="0" cy="0"/>
+          <a:chOff x="0" y="0"/>
+          <a:chExt cx="0" cy="0"/>
+        </a:xfrm>
+      </p:grpSpPr>
+      <p:sp>
+        <p:nvSpPr>
+          <p:cNvPr id="137" name="Google Shape;137;g1c0c645fc20_7_0:notes"/>
+          <p:cNvSpPr/>
+          <p:nvPr>
+            <p:ph idx="2" type="sldImg"/>
+          </p:nvPr>
+        </p:nvSpPr>
+        <p:spPr>
+          <a:xfrm>
+            <a:off x="381300" y="685800"/>
+            <a:ext cx="6096000" cy="3429000"/>
+          </a:xfrm>
+          <a:custGeom>
+            <a:rect b="b" l="l" r="r" t="t"/>
+            <a:pathLst>
+              <a:path extrusionOk="0" h="120000" w="120000">
+                <a:moveTo>
+                  <a:pt x="0" y="0"/>
+                </a:moveTo>
+                <a:lnTo>
+                  <a:pt x="120000" y="0"/>
+                </a:lnTo>
+                <a:lnTo>
+                  <a:pt x="120000" y="120000"/>
+                </a:lnTo>
+                <a:lnTo>
+                  <a:pt x="0" y="120000"/>
+                </a:lnTo>
+                <a:close/>
+              </a:path>
+            </a:pathLst>
+          </a:custGeom>
+        </p:spPr>
+      </p:sp>
+      <p:sp>
+        <p:nvSpPr>
+          <p:cNvPr id="138" name="Google Shape;138;g1c0c645fc20_7_0:notes"/>
           <p:cNvSpPr txBox="1"/>
           <p:nvPr>
             <p:ph idx="1" type="body"/>
@@ -1311,7 +1611,7 @@
       </p:grpSpPr>
       <p:sp>
         <p:nvSpPr>
-          <p:cNvPr id="63" name="Google Shape;63;g1c0c4312711_0_9:notes"/>
+          <p:cNvPr id="63" name="Google Shape;63;g1c0c645fc20_0_0:notes"/>
           <p:cNvSpPr/>
           <p:nvPr>
             <p:ph idx="2" type="sldImg"/>
@@ -1346,7 +1646,7 @@
       </p:sp>
       <p:sp>
         <p:nvSpPr>
-          <p:cNvPr id="64" name="Google Shape;64;g1c0c4312711_0_9:notes"/>
+          <p:cNvPr id="64" name="Google Shape;64;g1c0c645fc20_0_0:notes"/>
           <p:cNvSpPr txBox="1"/>
           <p:nvPr>
             <p:ph idx="1" type="body"/>
@@ -1410,7 +1710,7 @@
       </p:grpSpPr>
       <p:sp>
         <p:nvSpPr>
-          <p:cNvPr id="69" name="Google Shape;69;g1c0c4312711_0_16:notes"/>
+          <p:cNvPr id="69" name="Google Shape;69;g1c0c4312711_0_9:notes"/>
           <p:cNvSpPr/>
           <p:nvPr>
             <p:ph idx="2" type="sldImg"/>
@@ -1445,7 +1745,7 @@
       </p:sp>
       <p:sp>
         <p:nvSpPr>
-          <p:cNvPr id="70" name="Google Shape;70;g1c0c4312711_0_16:notes"/>
+          <p:cNvPr id="70" name="Google Shape;70;g1c0c4312711_0_9:notes"/>
           <p:cNvSpPr txBox="1"/>
           <p:nvPr>
             <p:ph idx="1" type="body"/>
@@ -1509,7 +1809,7 @@
       </p:grpSpPr>
       <p:sp>
         <p:nvSpPr>
-          <p:cNvPr id="75" name="Google Shape;75;g1c0c4312711_0_24:notes"/>
+          <p:cNvPr id="75" name="Google Shape;75;g1c0c4312711_0_16:notes"/>
           <p:cNvSpPr/>
           <p:nvPr>
             <p:ph idx="2" type="sldImg"/>
@@ -1544,7 +1844,7 @@
       </p:sp>
       <p:sp>
         <p:nvSpPr>
-          <p:cNvPr id="76" name="Google Shape;76;g1c0c4312711_0_24:notes"/>
+          <p:cNvPr id="76" name="Google Shape;76;g1c0c4312711_0_16:notes"/>
           <p:cNvSpPr txBox="1"/>
           <p:nvPr>
             <p:ph idx="1" type="body"/>
@@ -1608,7 +1908,7 @@
       </p:grpSpPr>
       <p:sp>
         <p:nvSpPr>
-          <p:cNvPr id="81" name="Google Shape;81;g1c0c4312711_0_29:notes"/>
+          <p:cNvPr id="81" name="Google Shape;81;g1c0c4312711_0_24:notes"/>
           <p:cNvSpPr/>
           <p:nvPr>
             <p:ph idx="2" type="sldImg"/>
@@ -1643,7 +1943,7 @@
       </p:sp>
       <p:sp>
         <p:nvSpPr>
-          <p:cNvPr id="82" name="Google Shape;82;g1c0c4312711_0_29:notes"/>
+          <p:cNvPr id="82" name="Google Shape;82;g1c0c4312711_0_24:notes"/>
           <p:cNvSpPr txBox="1"/>
           <p:nvPr>
             <p:ph idx="1" type="body"/>
@@ -1707,7 +2007,7 @@
       </p:grpSpPr>
       <p:sp>
         <p:nvSpPr>
-          <p:cNvPr id="87" name="Google Shape;87;g1c0c4312711_0_34:notes"/>
+          <p:cNvPr id="87" name="Google Shape;87;g1c0c4312711_0_29:notes"/>
           <p:cNvSpPr/>
           <p:nvPr>
             <p:ph idx="2" type="sldImg"/>
@@ -1742,7 +2042,7 @@
       </p:sp>
       <p:sp>
         <p:nvSpPr>
-          <p:cNvPr id="88" name="Google Shape;88;g1c0c4312711_0_34:notes"/>
+          <p:cNvPr id="88" name="Google Shape;88;g1c0c4312711_0_29:notes"/>
           <p:cNvSpPr txBox="1"/>
           <p:nvPr>
             <p:ph idx="1" type="body"/>
@@ -1806,7 +2106,7 @@
       </p:grpSpPr>
       <p:sp>
         <p:nvSpPr>
-          <p:cNvPr id="93" name="Google Shape;93;g1c0c4312711_0_43:notes"/>
+          <p:cNvPr id="93" name="Google Shape;93;g1c0c4312711_0_34:notes"/>
           <p:cNvSpPr/>
           <p:nvPr>
             <p:ph idx="2" type="sldImg"/>
@@ -1841,7 +2141,7 @@
       </p:sp>
       <p:sp>
         <p:nvSpPr>
-          <p:cNvPr id="94" name="Google Shape;94;g1c0c4312711_0_43:notes"/>
+          <p:cNvPr id="94" name="Google Shape;94;g1c0c4312711_0_34:notes"/>
           <p:cNvSpPr txBox="1"/>
           <p:nvPr>
             <p:ph idx="1" type="body"/>
@@ -1891,7 +2191,7 @@
   <p:cSld>
     <p:spTree>
       <p:nvGrpSpPr>
-        <p:cNvPr id="97" name="Shape 97"/>
+        <p:cNvPr id="98" name="Shape 98"/>
         <p:cNvGrpSpPr/>
         <p:nvPr/>
       </p:nvGrpSpPr>
@@ -1905,7 +2205,7 @@
       </p:grpSpPr>
       <p:sp>
         <p:nvSpPr>
-          <p:cNvPr id="98" name="Google Shape;98;g1c0c4312711_0_49:notes"/>
+          <p:cNvPr id="99" name="Google Shape;99;g1c0c4312711_0_43:notes"/>
           <p:cNvSpPr/>
           <p:nvPr>
             <p:ph idx="2" type="sldImg"/>
@@ -1940,7 +2240,7 @@
       </p:sp>
       <p:sp>
         <p:nvSpPr>
-          <p:cNvPr id="99" name="Google Shape;99;g1c0c4312711_0_49:notes"/>
+          <p:cNvPr id="100" name="Google Shape;100;g1c0c4312711_0_43:notes"/>
           <p:cNvSpPr txBox="1"/>
           <p:nvPr>
             <p:ph idx="1" type="body"/>
@@ -6696,10 +6996,10 @@
               <a:buNone/>
             </a:pPr>
             <a:r>
-              <a:rPr lang="en"/>
+              <a:rPr lang="en" sz="5000"/>
               <a:t>Chatbot Response System</a:t>
             </a:r>
-            <a:endParaRPr/>
+            <a:endParaRPr sz="5000"/>
           </a:p>
         </p:txBody>
       </p:sp>
@@ -6749,7 +7049,7 @@
                   <a:schemeClr val="dk1"/>
                 </a:solidFill>
               </a:rPr>
-              <a:t>A Simple Chatbot from Scratch in Python</a:t>
+              <a:t>A Simple Chatbot in Python</a:t>
             </a:r>
             <a:endParaRPr sz="1600">
               <a:solidFill>
@@ -6776,7 +7076,7 @@
               <a:buNone/>
             </a:pPr>
             <a:r>
-              <a:rPr lang="en" sz="2121">
+              <a:rPr lang="en" sz="2021">
                 <a:solidFill>
                   <a:schemeClr val="dk1"/>
                 </a:solidFill>
@@ -6784,7 +7084,7 @@
               <a:t>History of chatbots dates back to 1966 when a computer program called ELIZA was invented by Weizenbaum. It imitated the language of a psychotherapist from only 200 lines of code. You can still converse with it here: </a:t>
             </a:r>
             <a:r>
-              <a:rPr lang="en" sz="2121">
+              <a:rPr lang="en" sz="2021">
                 <a:solidFill>
                   <a:srgbClr val="1155CC"/>
                 </a:solidFill>
@@ -6801,7 +7101,7 @@
               </a:rPr>
               <a:t>ELIZA</a:t>
             </a:r>
-            <a:endParaRPr sz="3621"/>
+            <a:endParaRPr sz="3521"/>
           </a:p>
         </p:txBody>
       </p:sp>
@@ -6818,7 +7118,7 @@
   <p:cSld>
     <p:spTree>
       <p:nvGrpSpPr>
-        <p:cNvPr id="105" name="Shape 105"/>
+        <p:cNvPr id="106" name="Shape 106"/>
         <p:cNvGrpSpPr/>
         <p:nvPr/>
       </p:nvGrpSpPr>
@@ -6832,7 +7132,7 @@
       </p:grpSpPr>
       <p:sp>
         <p:nvSpPr>
-          <p:cNvPr id="106" name="Google Shape;106;p22"/>
+          <p:cNvPr id="107" name="Google Shape;107;p22"/>
           <p:cNvSpPr txBox="1"/>
           <p:nvPr>
             <p:ph idx="1" type="body"/>
@@ -6840,8 +7140,8 @@
         </p:nvSpPr>
         <p:spPr>
           <a:xfrm>
-            <a:off x="311700" y="562650"/>
-            <a:ext cx="8520600" cy="4018200"/>
+            <a:off x="311700" y="458300"/>
+            <a:ext cx="8520600" cy="3416400"/>
           </a:xfrm>
           <a:prstGeom prst="rect">
             <a:avLst/>
@@ -6853,7 +7153,7 @@
           </a:bodyPr>
           <a:lstStyle/>
           <a:p>
-            <a:pPr indent="-323850" lvl="0" marL="457200" rtl="0" algn="l">
+            <a:pPr indent="-330200" lvl="0" marL="457200" rtl="0" algn="l">
               <a:spcBef>
                 <a:spcPts val="0"/>
               </a:spcBef>
@@ -6863,18 +7163,18 @@
               <a:buClr>
                 <a:schemeClr val="dk1"/>
               </a:buClr>
-              <a:buSzPts val="1500"/>
+              <a:buSzPts val="1600"/>
               <a:buChar char="●"/>
             </a:pPr>
             <a:r>
-              <a:rPr b="1" lang="en" sz="1500">
+              <a:rPr b="1" lang="en" sz="1600">
                 <a:solidFill>
                   <a:schemeClr val="dk1"/>
                 </a:solidFill>
               </a:rPr>
-              <a:t>Plugins/Components</a:t>
-            </a:r>
-            <a:endParaRPr b="1" sz="1500">
+              <a:t>Question and Answer System</a:t>
+            </a:r>
+            <a:endParaRPr b="1" sz="1600">
               <a:solidFill>
                 <a:schemeClr val="dk1"/>
               </a:solidFill>
@@ -6898,7 +7198,7 @@
             <a:r>
               <a:t/>
             </a:r>
-            <a:endParaRPr sz="1400">
+            <a:endParaRPr sz="1500">
               <a:solidFill>
                 <a:schemeClr val="dk1"/>
               </a:solidFill>
@@ -6920,14 +7220,14 @@
               <a:buNone/>
             </a:pPr>
             <a:r>
-              <a:rPr lang="en" sz="1400">
+              <a:rPr lang="en" sz="1600">
                 <a:solidFill>
                   <a:schemeClr val="dk1"/>
                 </a:solidFill>
               </a:rPr>
-              <a:t>Plugins offer chatbots solution APIs and other intelligent automation components for chatbots used for internal company use like HR management and field-worker chatbots.</a:t>
-            </a:r>
-            <a:endParaRPr sz="1400">
+              <a:t>This is the key component in answering users’ frequently asked questions. Q &amp; A system interprets the question and responds with relevant answers from the knowledge base. It has the following components</a:t>
+            </a:r>
+            <a:endParaRPr sz="1600">
               <a:solidFill>
                 <a:schemeClr val="dk1"/>
               </a:solidFill>
@@ -6951,35 +7251,7 @@
             <a:r>
               <a:t/>
             </a:r>
-            <a:endParaRPr sz="1400">
-              <a:solidFill>
-                <a:schemeClr val="dk1"/>
-              </a:solidFill>
-            </a:endParaRPr>
-          </a:p>
-          <a:p>
-            <a:pPr indent="-323850" lvl="0" marL="457200" rtl="0" algn="l">
-              <a:spcBef>
-                <a:spcPts val="0"/>
-              </a:spcBef>
-              <a:spcAft>
-                <a:spcPts val="0"/>
-              </a:spcAft>
-              <a:buClr>
-                <a:schemeClr val="dk1"/>
-              </a:buClr>
-              <a:buSzPts val="1500"/>
-              <a:buChar char="●"/>
-            </a:pPr>
-            <a:r>
-              <a:rPr b="1" lang="en" sz="1500">
-                <a:solidFill>
-                  <a:schemeClr val="dk1"/>
-                </a:solidFill>
-              </a:rPr>
-              <a:t>Node Server / Traffic Server</a:t>
-            </a:r>
-            <a:endParaRPr b="1" sz="1500">
+            <a:endParaRPr sz="1600">
               <a:solidFill>
                 <a:schemeClr val="dk1"/>
               </a:solidFill>
@@ -7001,9 +7273,22 @@
               <a:buNone/>
             </a:pPr>
             <a:r>
-              <a:t/>
-            </a:r>
-            <a:endParaRPr sz="1400">
+              <a:rPr b="1" lang="en" sz="1600">
+                <a:solidFill>
+                  <a:schemeClr val="dk1"/>
+                </a:solidFill>
+              </a:rPr>
+              <a:t>Manual Training:</a:t>
+            </a:r>
+            <a:r>
+              <a:rPr lang="en" sz="1600">
+                <a:solidFill>
+                  <a:schemeClr val="dk1"/>
+                </a:solidFill>
+              </a:rPr>
+              <a:t> Manual training involves the domain expert creating the list of frequently asked users queries and map its answers. This helps the bot quickly identify the answers to the most important questions.</a:t>
+            </a:r>
+            <a:endParaRPr sz="1600">
               <a:solidFill>
                 <a:schemeClr val="dk1"/>
               </a:solidFill>
@@ -7025,21 +7310,16 @@
               <a:buNone/>
             </a:pPr>
             <a:r>
-              <a:rPr lang="en" sz="1400">
-                <a:solidFill>
-                  <a:schemeClr val="dk1"/>
-                </a:solidFill>
-              </a:rPr>
-              <a:t>The server that handles the traffic requests from users and routes them to appropriate components. The traffic server also routes the response from internal components back to the front-end systems.</a:t>
-            </a:r>
-            <a:endParaRPr sz="1400">
+              <a:t/>
+            </a:r>
+            <a:endParaRPr sz="1600">
               <a:solidFill>
                 <a:schemeClr val="dk1"/>
               </a:solidFill>
             </a:endParaRPr>
           </a:p>
           <a:p>
-            <a:pPr indent="0" lvl="0" marL="0" rtl="0" algn="l">
+            <a:pPr indent="0" lvl="0" marL="457200" rtl="0" algn="l">
               <a:spcBef>
                 <a:spcPts val="0"/>
               </a:spcBef>
@@ -7054,128 +7334,41 @@
               <a:buNone/>
             </a:pPr>
             <a:r>
-              <a:t/>
-            </a:r>
-            <a:endParaRPr sz="1400">
+              <a:rPr b="1" lang="en" sz="1600">
+                <a:solidFill>
+                  <a:schemeClr val="dk1"/>
+                </a:solidFill>
+              </a:rPr>
+              <a:t>Automated Training:</a:t>
+            </a:r>
+            <a:r>
+              <a:rPr lang="en" sz="1600">
+                <a:solidFill>
+                  <a:schemeClr val="dk1"/>
+                </a:solidFill>
+              </a:rPr>
+              <a:t> Automated training involves submitting the company’s documents like policy documents and other Q&amp;A type of documents to the bot and ask it to train itself. The engine comes up with a list of question and answers from these documents. The bot then can answer with confidence.</a:t>
+            </a:r>
+            <a:endParaRPr sz="1600">
               <a:solidFill>
                 <a:schemeClr val="dk1"/>
               </a:solidFill>
             </a:endParaRPr>
           </a:p>
           <a:p>
-            <a:pPr indent="-323850" lvl="0" marL="457200" rtl="0" algn="l">
-              <a:spcBef>
-                <a:spcPts val="0"/>
-              </a:spcBef>
-              <a:spcAft>
-                <a:spcPts val="0"/>
-              </a:spcAft>
-              <a:buClr>
-                <a:schemeClr val="dk1"/>
-              </a:buClr>
-              <a:buSzPts val="1500"/>
-              <a:buChar char="●"/>
-            </a:pPr>
-            <a:r>
-              <a:rPr b="1" lang="en" sz="1500">
-                <a:solidFill>
-                  <a:schemeClr val="dk1"/>
-                </a:solidFill>
-              </a:rPr>
-              <a:t>Front-end Systems</a:t>
-            </a:r>
-            <a:endParaRPr b="1" sz="1500">
-              <a:solidFill>
-                <a:schemeClr val="dk1"/>
-              </a:solidFill>
-            </a:endParaRPr>
-          </a:p>
-          <a:p>
-            <a:pPr indent="0" lvl="0" marL="457200" rtl="0" algn="l">
-              <a:spcBef>
-                <a:spcPts val="0"/>
-              </a:spcBef>
-              <a:spcAft>
-                <a:spcPts val="0"/>
-              </a:spcAft>
-              <a:buClr>
-                <a:schemeClr val="dk1"/>
-              </a:buClr>
-              <a:buSzPts val="1100"/>
-              <a:buFont typeface="Arial"/>
+            <a:pPr indent="0" lvl="0" marL="0" rtl="0" algn="l">
+              <a:spcBef>
+                <a:spcPts val="0"/>
+              </a:spcBef>
+              <a:spcAft>
+                <a:spcPts val="1200"/>
+              </a:spcAft>
               <a:buNone/>
             </a:pPr>
             <a:r>
               <a:t/>
             </a:r>
-            <a:endParaRPr sz="1400">
-              <a:solidFill>
-                <a:schemeClr val="dk1"/>
-              </a:solidFill>
-            </a:endParaRPr>
-          </a:p>
-          <a:p>
-            <a:pPr indent="0" lvl="0" marL="457200" rtl="0" algn="l">
-              <a:spcBef>
-                <a:spcPts val="0"/>
-              </a:spcBef>
-              <a:spcAft>
-                <a:spcPts val="0"/>
-              </a:spcAft>
-              <a:buNone/>
-            </a:pPr>
-            <a:r>
-              <a:rPr lang="en" sz="1400">
-                <a:solidFill>
-                  <a:schemeClr val="dk1"/>
-                </a:solidFill>
-              </a:rPr>
-              <a:t>Front-end systems can be any client-facing platforms. They can be the actual chatbot interfaces that reside in various platforms like:</a:t>
-            </a:r>
-            <a:endParaRPr sz="1400">
-              <a:solidFill>
-                <a:schemeClr val="dk1"/>
-              </a:solidFill>
-            </a:endParaRPr>
-          </a:p>
-          <a:p>
-            <a:pPr indent="0" lvl="0" marL="0" rtl="0" algn="l">
-              <a:spcBef>
-                <a:spcPts val="0"/>
-              </a:spcBef>
-              <a:spcAft>
-                <a:spcPts val="0"/>
-              </a:spcAft>
-              <a:buNone/>
-            </a:pPr>
-            <a:r>
-              <a:t/>
-            </a:r>
-            <a:endParaRPr sz="1400">
-              <a:solidFill>
-                <a:schemeClr val="dk1"/>
-              </a:solidFill>
-            </a:endParaRPr>
-          </a:p>
-          <a:p>
-            <a:pPr indent="0" lvl="0" marL="457200" rtl="0" algn="l">
-              <a:spcBef>
-                <a:spcPts val="0"/>
-              </a:spcBef>
-              <a:spcAft>
-                <a:spcPts val="0"/>
-              </a:spcAft>
-              <a:buNone/>
-            </a:pPr>
-            <a:r>
-              <a:rPr lang="en" sz="1400">
-                <a:solidFill>
-                  <a:schemeClr val="dk1"/>
-                </a:solidFill>
-              </a:rPr>
-              <a:t>Facebook, Slack, Google Hangouts, Skype for Business, Microsoft Teams</a:t>
-            </a:r>
-            <a:endParaRPr sz="1400"/>
+            <a:endParaRPr sz="1500"/>
           </a:p>
         </p:txBody>
       </p:sp>
@@ -7192,7 +7385,7 @@
   <p:cSld>
     <p:spTree>
       <p:nvGrpSpPr>
-        <p:cNvPr id="110" name="Shape 110"/>
+        <p:cNvPr id="111" name="Shape 111"/>
         <p:cNvGrpSpPr/>
         <p:nvPr/>
       </p:nvGrpSpPr>
@@ -7206,46 +7399,6 @@
       </p:grpSpPr>
       <p:sp>
         <p:nvSpPr>
-          <p:cNvPr id="111" name="Google Shape;111;p23"/>
-          <p:cNvSpPr txBox="1"/>
-          <p:nvPr>
-            <p:ph type="title"/>
-          </p:nvPr>
-        </p:nvSpPr>
-        <p:spPr>
-          <a:xfrm>
-            <a:off x="311700" y="445025"/>
-            <a:ext cx="8520600" cy="572700"/>
-          </a:xfrm>
-          <a:prstGeom prst="rect">
-            <a:avLst/>
-          </a:prstGeom>
-        </p:spPr>
-        <p:txBody>
-          <a:bodyPr anchorCtr="0" anchor="t" bIns="91425" lIns="91425" spcFirstLastPara="1" rIns="91425" wrap="square" tIns="91425">
-            <a:normAutofit fontScale="90000"/>
-          </a:bodyPr>
-          <a:lstStyle/>
-          <a:p>
-            <a:pPr indent="0" lvl="0" marL="0" rtl="0" algn="l">
-              <a:spcBef>
-                <a:spcPts val="0"/>
-              </a:spcBef>
-              <a:spcAft>
-                <a:spcPts val="0"/>
-              </a:spcAft>
-              <a:buNone/>
-            </a:pPr>
-            <a:r>
-              <a:rPr lang="en"/>
-              <a:t>How does chatbot works</a:t>
-            </a:r>
-            <a:endParaRPr/>
-          </a:p>
-        </p:txBody>
-      </p:sp>
-      <p:sp>
-        <p:nvSpPr>
           <p:cNvPr id="112" name="Google Shape;112;p23"/>
           <p:cNvSpPr txBox="1"/>
           <p:nvPr>
@@ -7254,8 +7407,8 @@
         </p:nvSpPr>
         <p:spPr>
           <a:xfrm>
-            <a:off x="311700" y="1152475"/>
-            <a:ext cx="8520600" cy="3416400"/>
+            <a:off x="311700" y="469150"/>
+            <a:ext cx="8520600" cy="3437700"/>
           </a:xfrm>
           <a:prstGeom prst="rect">
             <a:avLst/>
@@ -7263,26 +7416,54 @@
         </p:spPr>
         <p:txBody>
           <a:bodyPr anchorCtr="0" anchor="t" bIns="91425" lIns="91425" spcFirstLastPara="1" rIns="91425" wrap="square" tIns="91425">
-            <a:normAutofit/>
+            <a:noAutofit/>
           </a:bodyPr>
           <a:lstStyle/>
           <a:p>
-            <a:pPr indent="0" lvl="0" marL="0" rtl="0" algn="l">
-              <a:spcBef>
-                <a:spcPts val="0"/>
-              </a:spcBef>
-              <a:spcAft>
-                <a:spcPts val="0"/>
-              </a:spcAft>
-              <a:buNone/>
-            </a:pPr>
-            <a:r>
-              <a:rPr lang="en" sz="1500">
+            <a:pPr indent="-330200" lvl="0" marL="457200" rtl="0" algn="l">
+              <a:spcBef>
+                <a:spcPts val="0"/>
+              </a:spcBef>
+              <a:spcAft>
+                <a:spcPts val="0"/>
+              </a:spcAft>
+              <a:buClr>
+                <a:schemeClr val="dk1"/>
+              </a:buClr>
+              <a:buSzPts val="1600"/>
+              <a:buChar char="●"/>
+            </a:pPr>
+            <a:r>
+              <a:rPr b="1" lang="en" sz="1600">
                 <a:solidFill>
                   <a:schemeClr val="dk1"/>
                 </a:solidFill>
               </a:rPr>
-              <a:t>A chatbot performs routine automated tasks based on specific triggers and algorithms, simulating human conversation. A bot is designed to interact with a human via a chat interface or voice messaging in a web or mobile application, the same way a user would communicate with another person. Like virtual assistants, chatbots are a form of conversational AI.</a:t>
+              <a:t>Plugins/Components</a:t>
+            </a:r>
+            <a:endParaRPr b="1" sz="1600">
+              <a:solidFill>
+                <a:schemeClr val="dk1"/>
+              </a:solidFill>
+            </a:endParaRPr>
+          </a:p>
+          <a:p>
+            <a:pPr indent="0" lvl="0" marL="457200" rtl="0" algn="l">
+              <a:spcBef>
+                <a:spcPts val="0"/>
+              </a:spcBef>
+              <a:spcAft>
+                <a:spcPts val="0"/>
+              </a:spcAft>
+              <a:buClr>
+                <a:schemeClr val="dk1"/>
+              </a:buClr>
+              <a:buSzPts val="1100"/>
+              <a:buFont typeface="Arial"/>
+              <a:buNone/>
+            </a:pPr>
+            <a:r>
+              <a:t/>
             </a:r>
             <a:endParaRPr sz="1500">
               <a:solidFill>
@@ -7291,13 +7472,47 @@
             </a:endParaRPr>
           </a:p>
           <a:p>
-            <a:pPr indent="0" lvl="0" marL="0" rtl="0" algn="l">
-              <a:spcBef>
-                <a:spcPts val="0"/>
-              </a:spcBef>
-              <a:spcAft>
-                <a:spcPts val="0"/>
-              </a:spcAft>
+            <a:pPr indent="0" lvl="0" marL="457200" rtl="0" algn="l">
+              <a:spcBef>
+                <a:spcPts val="0"/>
+              </a:spcBef>
+              <a:spcAft>
+                <a:spcPts val="0"/>
+              </a:spcAft>
+              <a:buClr>
+                <a:schemeClr val="dk1"/>
+              </a:buClr>
+              <a:buSzPts val="1100"/>
+              <a:buFont typeface="Arial"/>
+              <a:buNone/>
+            </a:pPr>
+            <a:r>
+              <a:rPr lang="en" sz="1600">
+                <a:solidFill>
+                  <a:schemeClr val="dk1"/>
+                </a:solidFill>
+              </a:rPr>
+              <a:t>Plugins offer chatbots solution APIs and other intelligent automation components for chatbots used for internal company use like HR management and field-worker chatbots.</a:t>
+            </a:r>
+            <a:endParaRPr sz="1600">
+              <a:solidFill>
+                <a:schemeClr val="dk1"/>
+              </a:solidFill>
+            </a:endParaRPr>
+          </a:p>
+          <a:p>
+            <a:pPr indent="0" lvl="0" marL="457200" rtl="0" algn="l">
+              <a:spcBef>
+                <a:spcPts val="0"/>
+              </a:spcBef>
+              <a:spcAft>
+                <a:spcPts val="0"/>
+              </a:spcAft>
+              <a:buClr>
+                <a:schemeClr val="dk1"/>
+              </a:buClr>
+              <a:buSzPts val="1100"/>
+              <a:buFont typeface="Arial"/>
               <a:buNone/>
             </a:pPr>
             <a:r>
@@ -7310,22 +7525,50 @@
             </a:endParaRPr>
           </a:p>
           <a:p>
-            <a:pPr indent="0" lvl="0" marL="0" rtl="0" algn="l">
-              <a:spcBef>
-                <a:spcPts val="0"/>
-              </a:spcBef>
-              <a:spcAft>
-                <a:spcPts val="0"/>
-              </a:spcAft>
-              <a:buNone/>
-            </a:pPr>
-            <a:r>
-              <a:rPr lang="en" sz="1500">
+            <a:pPr indent="-330200" lvl="0" marL="457200" rtl="0" algn="l">
+              <a:spcBef>
+                <a:spcPts val="0"/>
+              </a:spcBef>
+              <a:spcAft>
+                <a:spcPts val="0"/>
+              </a:spcAft>
+              <a:buClr>
+                <a:schemeClr val="dk1"/>
+              </a:buClr>
+              <a:buSzPts val="1600"/>
+              <a:buChar char="●"/>
+            </a:pPr>
+            <a:r>
+              <a:rPr b="1" lang="en" sz="1600">
                 <a:solidFill>
                   <a:schemeClr val="dk1"/>
                 </a:solidFill>
               </a:rPr>
-              <a:t>The simplest type of chatbot is a question-answer bot — a rules-based bot that follows a tree-like flow to arrive at answers. These chatbots use a knowledge base and pattern matching to give predefined answers to specific sets of questions — and they're not, strictly speaking, AI.</a:t>
+              <a:t>Node Server / Traffic Server</a:t>
+            </a:r>
+            <a:endParaRPr b="1" sz="1600">
+              <a:solidFill>
+                <a:schemeClr val="dk1"/>
+              </a:solidFill>
+            </a:endParaRPr>
+          </a:p>
+          <a:p>
+            <a:pPr indent="0" lvl="0" marL="457200" rtl="0" algn="l">
+              <a:spcBef>
+                <a:spcPts val="0"/>
+              </a:spcBef>
+              <a:spcAft>
+                <a:spcPts val="0"/>
+              </a:spcAft>
+              <a:buClr>
+                <a:schemeClr val="dk1"/>
+              </a:buClr>
+              <a:buSzPts val="1100"/>
+              <a:buFont typeface="Arial"/>
+              <a:buNone/>
+            </a:pPr>
+            <a:r>
+              <a:t/>
             </a:r>
             <a:endParaRPr sz="1500">
               <a:solidFill>
@@ -7334,19 +7577,29 @@
             </a:endParaRPr>
           </a:p>
           <a:p>
-            <a:pPr indent="0" lvl="0" marL="0" rtl="0" algn="l">
-              <a:spcBef>
-                <a:spcPts val="0"/>
-              </a:spcBef>
-              <a:spcAft>
-                <a:spcPts val="0"/>
-              </a:spcAft>
-              <a:buNone/>
-            </a:pPr>
-            <a:r>
-              <a:t/>
-            </a:r>
-            <a:endParaRPr sz="1500">
+            <a:pPr indent="0" lvl="0" marL="457200" rtl="0" algn="l">
+              <a:spcBef>
+                <a:spcPts val="0"/>
+              </a:spcBef>
+              <a:spcAft>
+                <a:spcPts val="0"/>
+              </a:spcAft>
+              <a:buClr>
+                <a:schemeClr val="dk1"/>
+              </a:buClr>
+              <a:buSzPts val="1100"/>
+              <a:buFont typeface="Arial"/>
+              <a:buNone/>
+            </a:pPr>
+            <a:r>
+              <a:rPr lang="en" sz="1600">
+                <a:solidFill>
+                  <a:schemeClr val="dk1"/>
+                </a:solidFill>
+              </a:rPr>
+              <a:t>The server that handles the traffic requests from users and routes them to appropriate components. The traffic server also routes the response from internal components back to the front-end systems.</a:t>
+            </a:r>
+            <a:endParaRPr sz="1600">
               <a:solidFill>
                 <a:schemeClr val="dk1"/>
               </a:solidFill>
@@ -7363,18 +7616,9 @@
               <a:buNone/>
             </a:pPr>
             <a:r>
-              <a:rPr lang="en" sz="1500">
-                <a:solidFill>
-                  <a:schemeClr val="dk1"/>
-                </a:solidFill>
-              </a:rPr>
-              <a:t>But when artificial intelligence programming is added to the chat software, the bot becomes more sophisticated and human-like. AI-powered chatbots use a database of information and pattern matching together with deep learning, machine learning, and natural language processing (NLP).</a:t>
-            </a:r>
-            <a:endParaRPr sz="1500">
-              <a:solidFill>
-                <a:schemeClr val="dk1"/>
-              </a:solidFill>
-            </a:endParaRPr>
+              <a:t/>
+            </a:r>
+            <a:endParaRPr sz="1500"/>
           </a:p>
         </p:txBody>
       </p:sp>
@@ -7408,6 +7652,180 @@
           <p:cNvPr id="117" name="Google Shape;117;p24"/>
           <p:cNvSpPr txBox="1"/>
           <p:nvPr>
+            <p:ph idx="1" type="body"/>
+          </p:nvPr>
+        </p:nvSpPr>
+        <p:spPr>
+          <a:xfrm>
+            <a:off x="311700" y="529025"/>
+            <a:ext cx="8520600" cy="3416400"/>
+          </a:xfrm>
+          <a:prstGeom prst="rect">
+            <a:avLst/>
+          </a:prstGeom>
+        </p:spPr>
+        <p:txBody>
+          <a:bodyPr anchorCtr="0" anchor="t" bIns="91425" lIns="91425" spcFirstLastPara="1" rIns="91425" wrap="square" tIns="91425">
+            <a:normAutofit/>
+          </a:bodyPr>
+          <a:lstStyle/>
+          <a:p>
+            <a:pPr indent="-330200" lvl="0" marL="457200" rtl="0" algn="l">
+              <a:spcBef>
+                <a:spcPts val="0"/>
+              </a:spcBef>
+              <a:spcAft>
+                <a:spcPts val="0"/>
+              </a:spcAft>
+              <a:buClr>
+                <a:schemeClr val="dk1"/>
+              </a:buClr>
+              <a:buSzPts val="1600"/>
+              <a:buChar char="●"/>
+            </a:pPr>
+            <a:r>
+              <a:rPr b="1" lang="en" sz="1600">
+                <a:solidFill>
+                  <a:schemeClr val="dk1"/>
+                </a:solidFill>
+              </a:rPr>
+              <a:t>Front-end Systems</a:t>
+            </a:r>
+            <a:endParaRPr b="1" sz="1600">
+              <a:solidFill>
+                <a:schemeClr val="dk1"/>
+              </a:solidFill>
+            </a:endParaRPr>
+          </a:p>
+          <a:p>
+            <a:pPr indent="0" lvl="0" marL="457200" rtl="0" algn="l">
+              <a:spcBef>
+                <a:spcPts val="0"/>
+              </a:spcBef>
+              <a:spcAft>
+                <a:spcPts val="0"/>
+              </a:spcAft>
+              <a:buClr>
+                <a:schemeClr val="dk1"/>
+              </a:buClr>
+              <a:buSzPts val="1100"/>
+              <a:buFont typeface="Arial"/>
+              <a:buNone/>
+            </a:pPr>
+            <a:r>
+              <a:t/>
+            </a:r>
+            <a:endParaRPr sz="1600">
+              <a:solidFill>
+                <a:schemeClr val="dk1"/>
+              </a:solidFill>
+            </a:endParaRPr>
+          </a:p>
+          <a:p>
+            <a:pPr indent="0" lvl="0" marL="457200" rtl="0" algn="l">
+              <a:spcBef>
+                <a:spcPts val="0"/>
+              </a:spcBef>
+              <a:spcAft>
+                <a:spcPts val="0"/>
+              </a:spcAft>
+              <a:buClr>
+                <a:schemeClr val="dk1"/>
+              </a:buClr>
+              <a:buSzPts val="1100"/>
+              <a:buFont typeface="Arial"/>
+              <a:buNone/>
+            </a:pPr>
+            <a:r>
+              <a:rPr lang="en" sz="1600">
+                <a:solidFill>
+                  <a:schemeClr val="dk1"/>
+                </a:solidFill>
+              </a:rPr>
+              <a:t>Front-end systems can be any client-facing platforms. They can be the actual chatbot interfaces that reside in various platforms like:</a:t>
+            </a:r>
+            <a:endParaRPr sz="1600">
+              <a:solidFill>
+                <a:schemeClr val="dk1"/>
+              </a:solidFill>
+            </a:endParaRPr>
+          </a:p>
+          <a:p>
+            <a:pPr indent="0" lvl="0" marL="457200" rtl="0" algn="l">
+              <a:spcBef>
+                <a:spcPts val="0"/>
+              </a:spcBef>
+              <a:spcAft>
+                <a:spcPts val="0"/>
+              </a:spcAft>
+              <a:buClr>
+                <a:schemeClr val="dk1"/>
+              </a:buClr>
+              <a:buSzPts val="1100"/>
+              <a:buFont typeface="Arial"/>
+              <a:buNone/>
+            </a:pPr>
+            <a:r>
+              <a:t/>
+            </a:r>
+            <a:endParaRPr sz="1600">
+              <a:solidFill>
+                <a:schemeClr val="dk1"/>
+              </a:solidFill>
+            </a:endParaRPr>
+          </a:p>
+          <a:p>
+            <a:pPr indent="0" lvl="0" marL="457200" rtl="0" algn="l">
+              <a:spcBef>
+                <a:spcPts val="0"/>
+              </a:spcBef>
+              <a:spcAft>
+                <a:spcPts val="0"/>
+              </a:spcAft>
+              <a:buNone/>
+            </a:pPr>
+            <a:r>
+              <a:rPr lang="en" sz="1600">
+                <a:solidFill>
+                  <a:schemeClr val="dk1"/>
+                </a:solidFill>
+              </a:rPr>
+              <a:t>Facebook, Slack, Google Hangouts, Skype for Business, Microsoft Teams</a:t>
+            </a:r>
+            <a:endParaRPr sz="1600"/>
+          </a:p>
+        </p:txBody>
+      </p:sp>
+    </p:spTree>
+  </p:cSld>
+  <p:clrMapOvr>
+    <a:masterClrMapping/>
+  </p:clrMapOvr>
+</p:sld>
+</file>
+
+<file path=ppt/slides/slide13.xml><?xml version="1.0" encoding="utf-8"?>
+<p:sld xmlns:a="http://schemas.openxmlformats.org/drawingml/2006/main" xmlns:r="http://schemas.openxmlformats.org/officeDocument/2006/relationships" xmlns:mc="http://schemas.openxmlformats.org/markup-compatibility/2006" xmlns:mv="urn:schemas-microsoft-com:mac:vml" xmlns:p="http://schemas.openxmlformats.org/presentationml/2006/main" xmlns:c="http://schemas.openxmlformats.org/drawingml/2006/chart" xmlns:dgm="http://schemas.openxmlformats.org/drawingml/2006/diagram" xmlns:o="urn:schemas-microsoft-com:office:office" xmlns:v="urn:schemas-microsoft-com:vml" xmlns:pvml="urn:schemas-microsoft-com:office:powerpoint" xmlns:com="http://schemas.openxmlformats.org/drawingml/2006/compatibility" xmlns:p14="http://schemas.microsoft.com/office/powerpoint/2010/main" xmlns:p15="http://schemas.microsoft.com/office/powerpoint/2012/main" xmlns:ahyp="http://schemas.microsoft.com/office/drawing/2018/hyperlinkcolor">
+  <p:cSld>
+    <p:spTree>
+      <p:nvGrpSpPr>
+        <p:cNvPr id="121" name="Shape 121"/>
+        <p:cNvGrpSpPr/>
+        <p:nvPr/>
+      </p:nvGrpSpPr>
+      <p:grpSpPr>
+        <a:xfrm>
+          <a:off x="0" y="0"/>
+          <a:ext cx="0" cy="0"/>
+          <a:chOff x="0" y="0"/>
+          <a:chExt cx="0" cy="0"/>
+        </a:xfrm>
+      </p:grpSpPr>
+      <p:sp>
+        <p:nvSpPr>
+          <p:cNvPr id="122" name="Google Shape;122;p25"/>
+          <p:cNvSpPr txBox="1"/>
+          <p:nvPr>
             <p:ph type="title"/>
           </p:nvPr>
         </p:nvSpPr>
@@ -7433,11 +7851,6 @@
               <a:spcAft>
                 <a:spcPts val="0"/>
               </a:spcAft>
-              <a:buClr>
-                <a:schemeClr val="dk1"/>
-              </a:buClr>
-              <a:buSzPct val="39285"/>
-              <a:buFont typeface="Arial"/>
               <a:buNone/>
             </a:pPr>
             <a:r>
@@ -7450,7 +7863,7 @@
       </p:sp>
       <p:sp>
         <p:nvSpPr>
-          <p:cNvPr id="118" name="Google Shape;118;p24"/>
+          <p:cNvPr id="123" name="Google Shape;123;p25"/>
           <p:cNvSpPr txBox="1"/>
           <p:nvPr>
             <p:ph idx="1" type="body"/>
@@ -7478,46 +7891,52 @@
               <a:spcAft>
                 <a:spcPts val="0"/>
               </a:spcAft>
-              <a:buClr>
-                <a:schemeClr val="dk1"/>
-              </a:buClr>
-              <a:buSzPts val="1100"/>
-              <a:buFont typeface="Arial"/>
-              <a:buNone/>
-            </a:pPr>
-            <a:r>
-              <a:rPr lang="en" sz="1500">
+              <a:buNone/>
+            </a:pPr>
+            <a:r>
+              <a:rPr lang="en" sz="1600">
                 <a:solidFill>
                   <a:schemeClr val="dk1"/>
                 </a:solidFill>
               </a:rPr>
-              <a:t>A typical chat bot program looks at previous conversations and documentation from customer support reps in a knowledge base to find similar text groupings corresponding to the original inquiry. It then presents the most appropriate answer according to specific AI chatbot algorithms.</a:t>
-            </a:r>
-            <a:endParaRPr sz="1500">
+              <a:t>A chatbot performs routine automated tasks based on specific triggers and algorithms, simulating human conversation. A bot is designed to interact with a human via a chat interface or voice messaging in a web or mobile application, the same way a user would communicate with another person. Like </a:t>
+            </a:r>
+            <a:r>
+              <a:rPr b="1" lang="en" sz="1600">
+                <a:solidFill>
+                  <a:schemeClr val="dk1"/>
+                </a:solidFill>
+              </a:rPr>
+              <a:t>virtual assistants</a:t>
+            </a:r>
+            <a:r>
+              <a:rPr lang="en" sz="1600">
+                <a:solidFill>
+                  <a:schemeClr val="dk1"/>
+                </a:solidFill>
+              </a:rPr>
+              <a:t>, chatbots are a form of conversational AI.</a:t>
+            </a:r>
+            <a:endParaRPr sz="1600">
               <a:solidFill>
                 <a:schemeClr val="dk1"/>
               </a:solidFill>
             </a:endParaRPr>
           </a:p>
           <a:p>
-            <a:pPr indent="0" lvl="0" marL="457200" rtl="0" algn="l">
-              <a:spcBef>
-                <a:spcPts val="0"/>
-              </a:spcBef>
-              <a:spcAft>
-                <a:spcPts val="0"/>
-              </a:spcAft>
-              <a:buClr>
-                <a:schemeClr val="dk1"/>
-              </a:buClr>
-              <a:buSzPts val="1100"/>
-              <a:buFont typeface="Arial"/>
+            <a:pPr indent="0" lvl="0" marL="0" rtl="0" algn="l">
+              <a:spcBef>
+                <a:spcPts val="0"/>
+              </a:spcBef>
+              <a:spcAft>
+                <a:spcPts val="0"/>
+              </a:spcAft>
               <a:buNone/>
             </a:pPr>
             <a:r>
               <a:t/>
             </a:r>
-            <a:endParaRPr sz="1500">
+            <a:endParaRPr sz="1600">
               <a:solidFill>
                 <a:schemeClr val="dk1"/>
               </a:solidFill>
@@ -7531,56 +7950,37 @@
               <a:spcAft>
                 <a:spcPts val="0"/>
               </a:spcAft>
-              <a:buClr>
-                <a:schemeClr val="dk1"/>
-              </a:buClr>
-              <a:buSzPts val="1100"/>
-              <a:buFont typeface="Arial"/>
-              <a:buNone/>
-            </a:pPr>
-            <a:r>
-              <a:rPr lang="en" sz="1500">
+              <a:buNone/>
+            </a:pPr>
+            <a:r>
+              <a:rPr lang="en" sz="1600">
                 <a:solidFill>
                   <a:schemeClr val="dk1"/>
                 </a:solidFill>
               </a:rPr>
-              <a:t>Apple's Siri, Amazon's Alexa, and Google Assistant are examples of generative algorithm-based chatbots trained using a multi-step method. These bots generate advanced responses based on previous conversations and algorithms that allow them to use unique patterns to reply to queries.</a:t>
-            </a:r>
-            <a:endParaRPr sz="1500">
+              <a:t>The simplest type of chatbot is a </a:t>
+            </a:r>
+            <a:r>
+              <a:rPr b="1" lang="en" sz="1600">
+                <a:solidFill>
+                  <a:schemeClr val="dk1"/>
+                </a:solidFill>
+              </a:rPr>
+              <a:t>question-answer bot</a:t>
+            </a:r>
+            <a:r>
+              <a:rPr lang="en" sz="1600">
+                <a:solidFill>
+                  <a:schemeClr val="dk1"/>
+                </a:solidFill>
+              </a:rPr>
+              <a:t> - a rules-based bot that follows a tree-like flow to arrive at answers. These chatbots use a knowledge base and pattern matching to give predefined answers to specific sets of questions - and they're not, strictly speaking, AI.</a:t>
+            </a:r>
+            <a:endParaRPr sz="1600">
               <a:solidFill>
                 <a:schemeClr val="dk1"/>
               </a:solidFill>
             </a:endParaRPr>
-          </a:p>
-          <a:p>
-            <a:pPr indent="0" lvl="0" marL="0" rtl="0" algn="l">
-              <a:spcBef>
-                <a:spcPts val="0"/>
-              </a:spcBef>
-              <a:spcAft>
-                <a:spcPts val="0"/>
-              </a:spcAft>
-              <a:buNone/>
-            </a:pPr>
-            <a:r>
-              <a:t/>
-            </a:r>
-            <a:endParaRPr sz="1500"/>
-          </a:p>
-          <a:p>
-            <a:pPr indent="0" lvl="0" marL="0" rtl="0" algn="l">
-              <a:spcBef>
-                <a:spcPts val="1200"/>
-              </a:spcBef>
-              <a:spcAft>
-                <a:spcPts val="1200"/>
-              </a:spcAft>
-              <a:buNone/>
-            </a:pPr>
-            <a:r>
-              <a:t/>
-            </a:r>
-            <a:endParaRPr sz="1500"/>
           </a:p>
         </p:txBody>
       </p:sp>
@@ -7592,12 +7992,12 @@
 </p:sld>
 </file>
 
-<file path=ppt/slides/slide13.xml><?xml version="1.0" encoding="utf-8"?>
+<file path=ppt/slides/slide14.xml><?xml version="1.0" encoding="utf-8"?>
 <p:sld xmlns:a="http://schemas.openxmlformats.org/drawingml/2006/main" xmlns:r="http://schemas.openxmlformats.org/officeDocument/2006/relationships" xmlns:mc="http://schemas.openxmlformats.org/markup-compatibility/2006" xmlns:mv="urn:schemas-microsoft-com:mac:vml" xmlns:p="http://schemas.openxmlformats.org/presentationml/2006/main" xmlns:c="http://schemas.openxmlformats.org/drawingml/2006/chart" xmlns:dgm="http://schemas.openxmlformats.org/drawingml/2006/diagram" xmlns:o="urn:schemas-microsoft-com:office:office" xmlns:v="urn:schemas-microsoft-com:vml" xmlns:pvml="urn:schemas-microsoft-com:office:powerpoint" xmlns:com="http://schemas.openxmlformats.org/drawingml/2006/compatibility" xmlns:p14="http://schemas.microsoft.com/office/powerpoint/2010/main" xmlns:p15="http://schemas.microsoft.com/office/powerpoint/2012/main" xmlns:ahyp="http://schemas.microsoft.com/office/drawing/2018/hyperlinkcolor">
   <p:cSld>
     <p:spTree>
       <p:nvGrpSpPr>
-        <p:cNvPr id="122" name="Shape 122"/>
+        <p:cNvPr id="127" name="Shape 127"/>
         <p:cNvGrpSpPr/>
         <p:nvPr/>
       </p:nvGrpSpPr>
@@ -7611,7 +8011,7 @@
       </p:grpSpPr>
       <p:sp>
         <p:nvSpPr>
-          <p:cNvPr id="123" name="Google Shape;123;p25"/>
+          <p:cNvPr id="128" name="Google Shape;128;p26"/>
           <p:cNvSpPr txBox="1"/>
           <p:nvPr>
             <p:ph type="title"/>
@@ -7656,7 +8056,7 @@
       </p:sp>
       <p:sp>
         <p:nvSpPr>
-          <p:cNvPr id="124" name="Google Shape;124;p25"/>
+          <p:cNvPr id="129" name="Google Shape;129;p26"/>
           <p:cNvSpPr txBox="1"/>
           <p:nvPr>
             <p:ph idx="1" type="body"/>
@@ -7692,14 +8092,14 @@
               <a:buNone/>
             </a:pPr>
             <a:r>
-              <a:rPr lang="en" sz="1500">
+              <a:rPr lang="en" sz="1600">
                 <a:solidFill>
                   <a:schemeClr val="dk1"/>
                 </a:solidFill>
               </a:rPr>
-              <a:t>AI chatbot algorithms: machine learning, deep learning, and natural language processing</a:t>
-            </a:r>
-            <a:endParaRPr sz="1500">
+              <a:t>A typical chat bot program looks at previous conversations and documentation from customer support reps in a knowledge base to find similar text groupings corresponding to the original inquiry. It then presents the most appropriate answer according to specific AI chatbot algorithms.</a:t>
+            </a:r>
+            <a:endParaRPr sz="1600">
               <a:solidFill>
                 <a:schemeClr val="dk1"/>
               </a:solidFill>
@@ -7723,7 +8123,7 @@
             <a:r>
               <a:t/>
             </a:r>
-            <a:endParaRPr sz="1500">
+            <a:endParaRPr sz="1600">
               <a:solidFill>
                 <a:schemeClr val="dk1"/>
               </a:solidFill>
@@ -7745,21 +8145,185 @@
               <a:buNone/>
             </a:pPr>
             <a:r>
-              <a:rPr lang="en" sz="1500">
+              <a:rPr b="1" lang="en" sz="1600">
                 <a:solidFill>
                   <a:schemeClr val="dk1"/>
                 </a:solidFill>
               </a:rPr>
-              <a:t>Popular chatbot algorithms include the following:</a:t>
-            </a:r>
-            <a:endParaRPr sz="1500">
+              <a:t>Apple's Siri</a:t>
+            </a:r>
+            <a:r>
+              <a:rPr lang="en" sz="1600">
+                <a:solidFill>
+                  <a:schemeClr val="dk1"/>
+                </a:solidFill>
+              </a:rPr>
+              <a:t>, </a:t>
+            </a:r>
+            <a:r>
+              <a:rPr b="1" lang="en" sz="1600">
+                <a:solidFill>
+                  <a:schemeClr val="dk1"/>
+                </a:solidFill>
+              </a:rPr>
+              <a:t>Amazon's Alexa</a:t>
+            </a:r>
+            <a:r>
+              <a:rPr lang="en" sz="1600">
+                <a:solidFill>
+                  <a:schemeClr val="dk1"/>
+                </a:solidFill>
+              </a:rPr>
+              <a:t>, and </a:t>
+            </a:r>
+            <a:r>
+              <a:rPr b="1" lang="en" sz="1600">
+                <a:solidFill>
+                  <a:schemeClr val="dk1"/>
+                </a:solidFill>
+              </a:rPr>
+              <a:t>Google Assistant</a:t>
+            </a:r>
+            <a:r>
+              <a:rPr lang="en" sz="1600">
+                <a:solidFill>
+                  <a:schemeClr val="dk1"/>
+                </a:solidFill>
+              </a:rPr>
+              <a:t> are examples of generative algorithm-based chatbots trained using a multi-step method. These bots generate advanced responses based on previous conversations and algorithms that allow them to use unique patterns to reply to queries.</a:t>
+            </a:r>
+            <a:endParaRPr sz="1600">
               <a:solidFill>
                 <a:schemeClr val="dk1"/>
               </a:solidFill>
             </a:endParaRPr>
           </a:p>
           <a:p>
-            <a:pPr indent="0" lvl="0" marL="457200" rtl="0" algn="l">
+            <a:pPr indent="0" lvl="0" marL="0" rtl="0" algn="l">
+              <a:spcBef>
+                <a:spcPts val="0"/>
+              </a:spcBef>
+              <a:spcAft>
+                <a:spcPts val="0"/>
+              </a:spcAft>
+              <a:buNone/>
+            </a:pPr>
+            <a:r>
+              <a:t/>
+            </a:r>
+            <a:endParaRPr sz="1600"/>
+          </a:p>
+          <a:p>
+            <a:pPr indent="0" lvl="0" marL="0" rtl="0" algn="l">
+              <a:spcBef>
+                <a:spcPts val="1200"/>
+              </a:spcBef>
+              <a:spcAft>
+                <a:spcPts val="1200"/>
+              </a:spcAft>
+              <a:buNone/>
+            </a:pPr>
+            <a:r>
+              <a:t/>
+            </a:r>
+            <a:endParaRPr sz="1600"/>
+          </a:p>
+        </p:txBody>
+      </p:sp>
+    </p:spTree>
+  </p:cSld>
+  <p:clrMapOvr>
+    <a:masterClrMapping/>
+  </p:clrMapOvr>
+</p:sld>
+</file>
+
+<file path=ppt/slides/slide15.xml><?xml version="1.0" encoding="utf-8"?>
+<p:sld xmlns:a="http://schemas.openxmlformats.org/drawingml/2006/main" xmlns:r="http://schemas.openxmlformats.org/officeDocument/2006/relationships" xmlns:mc="http://schemas.openxmlformats.org/markup-compatibility/2006" xmlns:mv="urn:schemas-microsoft-com:mac:vml" xmlns:p="http://schemas.openxmlformats.org/presentationml/2006/main" xmlns:c="http://schemas.openxmlformats.org/drawingml/2006/chart" xmlns:dgm="http://schemas.openxmlformats.org/drawingml/2006/diagram" xmlns:o="urn:schemas-microsoft-com:office:office" xmlns:v="urn:schemas-microsoft-com:vml" xmlns:pvml="urn:schemas-microsoft-com:office:powerpoint" xmlns:com="http://schemas.openxmlformats.org/drawingml/2006/compatibility" xmlns:p14="http://schemas.microsoft.com/office/powerpoint/2010/main" xmlns:p15="http://schemas.microsoft.com/office/powerpoint/2012/main" xmlns:ahyp="http://schemas.microsoft.com/office/drawing/2018/hyperlinkcolor">
+  <p:cSld>
+    <p:spTree>
+      <p:nvGrpSpPr>
+        <p:cNvPr id="133" name="Shape 133"/>
+        <p:cNvGrpSpPr/>
+        <p:nvPr/>
+      </p:nvGrpSpPr>
+      <p:grpSpPr>
+        <a:xfrm>
+          <a:off x="0" y="0"/>
+          <a:ext cx="0" cy="0"/>
+          <a:chOff x="0" y="0"/>
+          <a:chExt cx="0" cy="0"/>
+        </a:xfrm>
+      </p:grpSpPr>
+      <p:sp>
+        <p:nvSpPr>
+          <p:cNvPr id="134" name="Google Shape;134;p27"/>
+          <p:cNvSpPr txBox="1"/>
+          <p:nvPr>
+            <p:ph type="title"/>
+          </p:nvPr>
+        </p:nvSpPr>
+        <p:spPr>
+          <a:xfrm>
+            <a:off x="311700" y="445025"/>
+            <a:ext cx="8520600" cy="572700"/>
+          </a:xfrm>
+          <a:prstGeom prst="rect">
+            <a:avLst/>
+          </a:prstGeom>
+        </p:spPr>
+        <p:txBody>
+          <a:bodyPr anchorCtr="0" anchor="t" bIns="91425" lIns="91425" spcFirstLastPara="1" rIns="91425" wrap="square" tIns="91425">
+            <a:normAutofit fontScale="90000"/>
+          </a:bodyPr>
+          <a:lstStyle/>
+          <a:p>
+            <a:pPr indent="0" lvl="0" marL="0" rtl="0" algn="l">
+              <a:spcBef>
+                <a:spcPts val="0"/>
+              </a:spcBef>
+              <a:spcAft>
+                <a:spcPts val="0"/>
+              </a:spcAft>
+              <a:buClr>
+                <a:schemeClr val="dk1"/>
+              </a:buClr>
+              <a:buSzPct val="39285"/>
+              <a:buFont typeface="Arial"/>
+              <a:buNone/>
+            </a:pPr>
+            <a:r>
+              <a:rPr lang="en"/>
+              <a:t>How does chatbot works</a:t>
+            </a:r>
+            <a:endParaRPr/>
+          </a:p>
+        </p:txBody>
+      </p:sp>
+      <p:sp>
+        <p:nvSpPr>
+          <p:cNvPr id="135" name="Google Shape;135;p27"/>
+          <p:cNvSpPr txBox="1"/>
+          <p:nvPr>
+            <p:ph idx="1" type="body"/>
+          </p:nvPr>
+        </p:nvSpPr>
+        <p:spPr>
+          <a:xfrm>
+            <a:off x="311700" y="1152475"/>
+            <a:ext cx="8520600" cy="3416400"/>
+          </a:xfrm>
+          <a:prstGeom prst="rect">
+            <a:avLst/>
+          </a:prstGeom>
+        </p:spPr>
+        <p:txBody>
+          <a:bodyPr anchorCtr="0" anchor="t" bIns="91425" lIns="91425" spcFirstLastPara="1" rIns="91425" wrap="square" tIns="91425">
+            <a:normAutofit/>
+          </a:bodyPr>
+          <a:lstStyle/>
+          <a:p>
+            <a:pPr indent="0" lvl="0" marL="0" rtl="0" algn="l">
               <a:spcBef>
                 <a:spcPts val="0"/>
               </a:spcBef>
@@ -7774,40 +8338,21 @@
               <a:buNone/>
             </a:pPr>
             <a:r>
-              <a:t/>
-            </a:r>
-            <a:endParaRPr sz="1500">
+              <a:rPr lang="en" sz="1600">
+                <a:solidFill>
+                  <a:schemeClr val="dk1"/>
+                </a:solidFill>
+              </a:rPr>
+              <a:t>AI chatbot algorithms: machine learning, deep learning, and natural language processing</a:t>
+            </a:r>
+            <a:endParaRPr sz="1600">
               <a:solidFill>
                 <a:schemeClr val="dk1"/>
               </a:solidFill>
             </a:endParaRPr>
           </a:p>
           <a:p>
-            <a:pPr indent="0" lvl="0" marL="0" rtl="0" algn="l">
-              <a:spcBef>
-                <a:spcPts val="0"/>
-              </a:spcBef>
-              <a:spcAft>
-                <a:spcPts val="0"/>
-              </a:spcAft>
-              <a:buNone/>
-            </a:pPr>
-            <a:r>
-              <a:rPr lang="en" sz="1500">
-                <a:solidFill>
-                  <a:schemeClr val="dk1"/>
-                </a:solidFill>
-              </a:rPr>
-              <a:t>Pattern matching:</a:t>
-            </a:r>
-            <a:endParaRPr sz="1500">
-              <a:solidFill>
-                <a:schemeClr val="dk1"/>
-              </a:solidFill>
-            </a:endParaRPr>
-          </a:p>
-          <a:p>
-            <a:pPr indent="0" lvl="0" marL="0" rtl="0" algn="l">
+            <a:pPr indent="0" lvl="0" marL="457200" rtl="0" algn="l">
               <a:spcBef>
                 <a:spcPts val="0"/>
               </a:spcBef>
@@ -7824,14 +8369,14 @@
             <a:r>
               <a:t/>
             </a:r>
-            <a:endParaRPr sz="1500">
+            <a:endParaRPr sz="1600">
               <a:solidFill>
                 <a:schemeClr val="dk1"/>
               </a:solidFill>
             </a:endParaRPr>
           </a:p>
           <a:p>
-            <a:pPr indent="0" lvl="0" marL="457200" rtl="0" algn="l">
+            <a:pPr indent="0" lvl="0" marL="0" rtl="0" algn="l">
               <a:spcBef>
                 <a:spcPts val="0"/>
               </a:spcBef>
@@ -7846,14 +8391,14 @@
               <a:buNone/>
             </a:pPr>
             <a:r>
-              <a:rPr lang="en" sz="1500">
+              <a:rPr lang="en" sz="1600">
                 <a:solidFill>
                   <a:schemeClr val="dk1"/>
                 </a:solidFill>
               </a:rPr>
-              <a:t>Sequence to Sequence (seq2seq) model</a:t>
-            </a:r>
-            <a:endParaRPr sz="1500">
+              <a:t>Popular chatbot algorithms include the following:</a:t>
+            </a:r>
+            <a:endParaRPr sz="1600">
               <a:solidFill>
                 <a:schemeClr val="dk1"/>
               </a:solidFill>
@@ -7875,21 +8420,40 @@
               <a:buNone/>
             </a:pPr>
             <a:r>
-              <a:rPr lang="en" sz="1500">
-                <a:solidFill>
-                  <a:schemeClr val="dk1"/>
-                </a:solidFill>
-              </a:rPr>
-              <a:t>Recurrent neural networks (RNN)</a:t>
-            </a:r>
-            <a:endParaRPr sz="1500">
+              <a:t/>
+            </a:r>
+            <a:endParaRPr sz="1600">
               <a:solidFill>
                 <a:schemeClr val="dk1"/>
               </a:solidFill>
             </a:endParaRPr>
           </a:p>
           <a:p>
-            <a:pPr indent="0" lvl="0" marL="457200" rtl="0" algn="l">
+            <a:pPr indent="0" lvl="0" marL="0" rtl="0" algn="l">
+              <a:spcBef>
+                <a:spcPts val="0"/>
+              </a:spcBef>
+              <a:spcAft>
+                <a:spcPts val="0"/>
+              </a:spcAft>
+              <a:buNone/>
+            </a:pPr>
+            <a:r>
+              <a:rPr lang="en" sz="1600">
+                <a:solidFill>
+                  <a:schemeClr val="dk1"/>
+                </a:solidFill>
+              </a:rPr>
+              <a:t>Pattern matching:</a:t>
+            </a:r>
+            <a:endParaRPr sz="1600">
+              <a:solidFill>
+                <a:schemeClr val="dk1"/>
+              </a:solidFill>
+            </a:endParaRPr>
+          </a:p>
+          <a:p>
+            <a:pPr indent="0" lvl="0" marL="0" rtl="0" algn="l">
               <a:spcBef>
                 <a:spcPts val="0"/>
               </a:spcBef>
@@ -7904,14 +8468,9 @@
               <a:buNone/>
             </a:pPr>
             <a:r>
-              <a:rPr lang="en" sz="1500">
-                <a:solidFill>
-                  <a:schemeClr val="dk1"/>
-                </a:solidFill>
-              </a:rPr>
-              <a:t>Long Short Term Memory (LSTM)</a:t>
-            </a:r>
-            <a:endParaRPr sz="1500">
+              <a:t/>
+            </a:r>
+            <a:endParaRPr sz="1600">
               <a:solidFill>
                 <a:schemeClr val="dk1"/>
               </a:solidFill>
@@ -7933,14 +8492,101 @@
               <a:buNone/>
             </a:pPr>
             <a:r>
-              <a:rPr lang="en" sz="1500">
+              <a:rPr lang="en" sz="1600">
+                <a:solidFill>
+                  <a:schemeClr val="dk1"/>
+                </a:solidFill>
+              </a:rPr>
+              <a:t>Sequence to Sequence (seq2seq) model</a:t>
+            </a:r>
+            <a:endParaRPr sz="1600">
+              <a:solidFill>
+                <a:schemeClr val="dk1"/>
+              </a:solidFill>
+            </a:endParaRPr>
+          </a:p>
+          <a:p>
+            <a:pPr indent="0" lvl="0" marL="457200" rtl="0" algn="l">
+              <a:spcBef>
+                <a:spcPts val="0"/>
+              </a:spcBef>
+              <a:spcAft>
+                <a:spcPts val="0"/>
+              </a:spcAft>
+              <a:buClr>
+                <a:schemeClr val="dk1"/>
+              </a:buClr>
+              <a:buSzPts val="1100"/>
+              <a:buFont typeface="Arial"/>
+              <a:buNone/>
+            </a:pPr>
+            <a:r>
+              <a:rPr lang="en" sz="1600">
+                <a:solidFill>
+                  <a:schemeClr val="dk1"/>
+                </a:solidFill>
+              </a:rPr>
+              <a:t>Recurrent neural networks (RNN)</a:t>
+            </a:r>
+            <a:endParaRPr sz="1600">
+              <a:solidFill>
+                <a:schemeClr val="dk1"/>
+              </a:solidFill>
+            </a:endParaRPr>
+          </a:p>
+          <a:p>
+            <a:pPr indent="0" lvl="0" marL="457200" rtl="0" algn="l">
+              <a:spcBef>
+                <a:spcPts val="0"/>
+              </a:spcBef>
+              <a:spcAft>
+                <a:spcPts val="0"/>
+              </a:spcAft>
+              <a:buClr>
+                <a:schemeClr val="dk1"/>
+              </a:buClr>
+              <a:buSzPts val="1100"/>
+              <a:buFont typeface="Arial"/>
+              <a:buNone/>
+            </a:pPr>
+            <a:r>
+              <a:rPr lang="en" sz="1600">
+                <a:solidFill>
+                  <a:schemeClr val="dk1"/>
+                </a:solidFill>
+              </a:rPr>
+              <a:t>Long Short Term Memory (LSTM)</a:t>
+            </a:r>
+            <a:endParaRPr sz="1600">
+              <a:solidFill>
+                <a:schemeClr val="dk1"/>
+              </a:solidFill>
+            </a:endParaRPr>
+          </a:p>
+          <a:p>
+            <a:pPr indent="0" lvl="0" marL="457200" rtl="0" algn="l">
+              <a:spcBef>
+                <a:spcPts val="0"/>
+              </a:spcBef>
+              <a:spcAft>
+                <a:spcPts val="0"/>
+              </a:spcAft>
+              <a:buClr>
+                <a:schemeClr val="dk1"/>
+              </a:buClr>
+              <a:buSzPts val="1100"/>
+              <a:buFont typeface="Arial"/>
+              <a:buNone/>
+            </a:pPr>
+            <a:r>
+              <a:rPr lang="en" sz="1600">
                 <a:solidFill>
                   <a:schemeClr val="dk1"/>
                 </a:solidFill>
               </a:rPr>
               <a:t>Natural Language Processing (NLP)</a:t>
             </a:r>
-            <a:endParaRPr sz="1500">
+            <a:endParaRPr sz="1600">
               <a:solidFill>
                 <a:schemeClr val="dk1"/>
               </a:solidFill>
@@ -7959,7 +8605,176 @@
             <a:r>
               <a:t/>
             </a:r>
-            <a:endParaRPr sz="1500"/>
+            <a:endParaRPr sz="1600"/>
+          </a:p>
+        </p:txBody>
+      </p:sp>
+    </p:spTree>
+  </p:cSld>
+  <p:clrMapOvr>
+    <a:masterClrMapping/>
+  </p:clrMapOvr>
+</p:sld>
+</file>
+
+<file path=ppt/slides/slide16.xml><?xml version="1.0" encoding="utf-8"?>
+<p:sld xmlns:a="http://schemas.openxmlformats.org/drawingml/2006/main" xmlns:r="http://schemas.openxmlformats.org/officeDocument/2006/relationships" xmlns:mc="http://schemas.openxmlformats.org/markup-compatibility/2006" xmlns:mv="urn:schemas-microsoft-com:mac:vml" xmlns:p="http://schemas.openxmlformats.org/presentationml/2006/main" xmlns:c="http://schemas.openxmlformats.org/drawingml/2006/chart" xmlns:dgm="http://schemas.openxmlformats.org/drawingml/2006/diagram" xmlns:o="urn:schemas-microsoft-com:office:office" xmlns:v="urn:schemas-microsoft-com:vml" xmlns:pvml="urn:schemas-microsoft-com:office:powerpoint" xmlns:com="http://schemas.openxmlformats.org/drawingml/2006/compatibility" xmlns:p14="http://schemas.microsoft.com/office/powerpoint/2010/main" xmlns:p15="http://schemas.microsoft.com/office/powerpoint/2012/main" xmlns:ahyp="http://schemas.microsoft.com/office/drawing/2018/hyperlinkcolor">
+  <p:cSld>
+    <p:spTree>
+      <p:nvGrpSpPr>
+        <p:cNvPr id="139" name="Shape 139"/>
+        <p:cNvGrpSpPr/>
+        <p:nvPr/>
+      </p:nvGrpSpPr>
+      <p:grpSpPr>
+        <a:xfrm>
+          <a:off x="0" y="0"/>
+          <a:ext cx="0" cy="0"/>
+          <a:chOff x="0" y="0"/>
+          <a:chExt cx="0" cy="0"/>
+        </a:xfrm>
+      </p:grpSpPr>
+      <p:sp>
+        <p:nvSpPr>
+          <p:cNvPr id="140" name="Google Shape;140;p28"/>
+          <p:cNvSpPr txBox="1"/>
+          <p:nvPr>
+            <p:ph type="title"/>
+          </p:nvPr>
+        </p:nvSpPr>
+        <p:spPr>
+          <a:xfrm>
+            <a:off x="311700" y="445025"/>
+            <a:ext cx="8520600" cy="572700"/>
+          </a:xfrm>
+          <a:prstGeom prst="rect">
+            <a:avLst/>
+          </a:prstGeom>
+        </p:spPr>
+        <p:txBody>
+          <a:bodyPr anchorCtr="0" anchor="t" bIns="91425" lIns="91425" spcFirstLastPara="1" rIns="91425" wrap="square" tIns="91425">
+            <a:normAutofit fontScale="90000"/>
+          </a:bodyPr>
+          <a:lstStyle/>
+          <a:p>
+            <a:pPr indent="0" lvl="0" marL="0" rtl="0" algn="l">
+              <a:spcBef>
+                <a:spcPts val="0"/>
+              </a:spcBef>
+              <a:spcAft>
+                <a:spcPts val="0"/>
+              </a:spcAft>
+              <a:buClr>
+                <a:schemeClr val="dk1"/>
+              </a:buClr>
+              <a:buSzPct val="39285"/>
+              <a:buFont typeface="Arial"/>
+              <a:buNone/>
+            </a:pPr>
+            <a:r>
+              <a:rPr lang="en"/>
+              <a:t>Endnotes</a:t>
+            </a:r>
+            <a:endParaRPr/>
+          </a:p>
+          <a:p>
+            <a:pPr indent="0" lvl="0" marL="0" rtl="0" algn="l">
+              <a:spcBef>
+                <a:spcPts val="0"/>
+              </a:spcBef>
+              <a:spcAft>
+                <a:spcPts val="0"/>
+              </a:spcAft>
+              <a:buClr>
+                <a:schemeClr val="dk1"/>
+              </a:buClr>
+              <a:buSzPct val="39285"/>
+              <a:buFont typeface="Arial"/>
+              <a:buNone/>
+            </a:pPr>
+            <a:r>
+              <a:t/>
+            </a:r>
+            <a:endParaRPr/>
+          </a:p>
+          <a:p>
+            <a:pPr indent="0" lvl="0" marL="0" rtl="0" algn="l">
+              <a:spcBef>
+                <a:spcPts val="0"/>
+              </a:spcBef>
+              <a:spcAft>
+                <a:spcPts val="0"/>
+              </a:spcAft>
+              <a:buNone/>
+            </a:pPr>
+            <a:r>
+              <a:t/>
+            </a:r>
+            <a:endParaRPr/>
+          </a:p>
+        </p:txBody>
+      </p:sp>
+      <p:sp>
+        <p:nvSpPr>
+          <p:cNvPr id="141" name="Google Shape;141;p28"/>
+          <p:cNvSpPr txBox="1"/>
+          <p:nvPr>
+            <p:ph idx="1" type="body"/>
+          </p:nvPr>
+        </p:nvSpPr>
+        <p:spPr>
+          <a:xfrm>
+            <a:off x="311700" y="1152475"/>
+            <a:ext cx="8520600" cy="3416400"/>
+          </a:xfrm>
+          <a:prstGeom prst="rect">
+            <a:avLst/>
+          </a:prstGeom>
+        </p:spPr>
+        <p:txBody>
+          <a:bodyPr anchorCtr="0" anchor="t" bIns="91425" lIns="91425" spcFirstLastPara="1" rIns="91425" wrap="square" tIns="91425">
+            <a:normAutofit/>
+          </a:bodyPr>
+          <a:lstStyle/>
+          <a:p>
+            <a:pPr indent="0" lvl="0" marL="0" rtl="0" algn="l">
+              <a:spcBef>
+                <a:spcPts val="0"/>
+              </a:spcBef>
+              <a:spcAft>
+                <a:spcPts val="1200"/>
+              </a:spcAft>
+              <a:buNone/>
+            </a:pPr>
+            <a:r>
+              <a:rPr lang="en" sz="1600">
+                <a:solidFill>
+                  <a:schemeClr val="dk1"/>
+                </a:solidFill>
+              </a:rPr>
+              <a:t>Chatbots are the top application of Natural Language processing and today it is simple to create and integrate with various social medial handle and websites. Today most Chatbots are created using tools like </a:t>
+            </a:r>
+            <a:r>
+              <a:rPr lang="en" sz="1600">
+                <a:solidFill>
+                  <a:schemeClr val="dk1"/>
+                </a:solidFill>
+              </a:rPr>
+              <a:t>Dialog Flow</a:t>
+            </a:r>
+            <a:r>
+              <a:rPr lang="en" sz="1600">
+                <a:solidFill>
+                  <a:schemeClr val="dk1"/>
+                </a:solidFill>
+              </a:rPr>
+              <a:t>, RASA, etc. This was a quick introduction to chatbots to present an understanding of how businesses are transforming using Data science and artificial Intelligence.</a:t>
+            </a:r>
+            <a:endParaRPr sz="1600">
+              <a:solidFill>
+                <a:schemeClr val="dk1"/>
+              </a:solidFill>
+            </a:endParaRPr>
           </a:p>
         </p:txBody>
       </p:sp>
@@ -8106,14 +8921,14 @@
               <a:buNone/>
             </a:pPr>
             <a:r>
-              <a:rPr lang="en" sz="2000">
+              <a:rPr lang="en" sz="1600">
                 <a:solidFill>
                   <a:schemeClr val="dk1"/>
                 </a:solidFill>
               </a:rPr>
-              <a:t>A chatbot (conversational interface, AI agent) is a computer program that can understand human language and converse with a user via a website or a messaging app. Chatbots can handle various tasks online — from answering simple questions and scheduling calls to gathering customer feedback.</a:t>
-            </a:r>
-            <a:endParaRPr sz="2000"/>
+              <a:t>A chatbot (conversational interface, AI agent) is a computer program that can understand human language and converse with a user via a website or a messaging app. Chatbots can handle various tasks online - from answering simple questions and scheduling calls to gathering customer feedback.</a:t>
+            </a:r>
+            <a:endParaRPr sz="1600"/>
           </a:p>
         </p:txBody>
       </p:sp>
@@ -8172,11 +8987,51 @@
               <a:spcAft>
                 <a:spcPts val="0"/>
               </a:spcAft>
+              <a:buClr>
+                <a:schemeClr val="dk1"/>
+              </a:buClr>
+              <a:buSzPct val="39285"/>
+              <a:buFont typeface="Arial"/>
               <a:buNone/>
             </a:pPr>
             <a:r>
               <a:rPr lang="en"/>
-              <a:t>Types of chatbot</a:t>
+              <a:t>Why we need Chatbots?</a:t>
+            </a:r>
+            <a:endParaRPr/>
+          </a:p>
+          <a:p>
+            <a:pPr indent="0" lvl="0" marL="0" rtl="0" algn="l">
+              <a:spcBef>
+                <a:spcPts val="0"/>
+              </a:spcBef>
+              <a:spcAft>
+                <a:spcPts val="0"/>
+              </a:spcAft>
+              <a:buClr>
+                <a:schemeClr val="dk1"/>
+              </a:buClr>
+              <a:buSzPct val="39285"/>
+              <a:buFont typeface="Arial"/>
+              <a:buNone/>
+            </a:pPr>
+            <a:r>
+              <a:t/>
+            </a:r>
+            <a:endParaRPr/>
+          </a:p>
+          <a:p>
+            <a:pPr indent="0" lvl="0" marL="0" rtl="0" algn="l">
+              <a:spcBef>
+                <a:spcPts val="0"/>
+              </a:spcBef>
+              <a:spcAft>
+                <a:spcPts val="0"/>
+              </a:spcAft>
+              <a:buNone/>
+            </a:pPr>
+            <a:r>
+              <a:t/>
             </a:r>
             <a:endParaRPr/>
           </a:p>
@@ -8201,14 +9056,11 @@
         </p:spPr>
         <p:txBody>
           <a:bodyPr anchorCtr="0" anchor="t" bIns="91425" lIns="91425" spcFirstLastPara="1" rIns="91425" wrap="square" tIns="91425">
-            <a:normAutofit/>
+            <a:noAutofit/>
           </a:bodyPr>
           <a:lstStyle/>
           <a:p>
-            <a:pPr indent="-342900" lvl="0" marL="457200" rtl="0" algn="l">
-              <a:lnSpc>
-                <a:spcPct val="150000"/>
-              </a:lnSpc>
+            <a:pPr indent="0" lvl="0" marL="0" rtl="0" algn="l">
               <a:spcBef>
                 <a:spcPts val="0"/>
               </a:spcBef>
@@ -8218,30 +9070,36 @@
               <a:buClr>
                 <a:schemeClr val="dk1"/>
               </a:buClr>
-              <a:buSzPts val="1800"/>
-              <a:buAutoNum type="arabicPeriod"/>
-            </a:pPr>
-            <a:r>
-              <a:rPr lang="en">
+              <a:buSzPts val="1100"/>
+              <a:buFont typeface="Arial"/>
+              <a:buNone/>
+            </a:pPr>
+            <a:r>
+              <a:rPr b="1" lang="en" sz="1600">
                 <a:solidFill>
                   <a:schemeClr val="dk1"/>
                 </a:solidFill>
               </a:rPr>
-              <a:t>Menu/button-based chatbots</a:t>
-            </a:r>
-            <a:endParaRPr>
+              <a:t>Cost and Time Effective</a:t>
+            </a:r>
+            <a:r>
+              <a:rPr lang="en" sz="1600">
+                <a:solidFill>
+                  <a:schemeClr val="dk1"/>
+                </a:solidFill>
+              </a:rPr>
+              <a:t> - Humans cannot be active on-site 24/7 but chatbots can and the replying power of chatbots is much fast than humans.</a:t>
+            </a:r>
+            <a:endParaRPr sz="1600">
               <a:solidFill>
                 <a:schemeClr val="dk1"/>
               </a:solidFill>
             </a:endParaRPr>
           </a:p>
           <a:p>
-            <a:pPr indent="-342900" lvl="0" marL="457200" rtl="0" algn="l">
-              <a:lnSpc>
-                <a:spcPct val="150000"/>
-              </a:lnSpc>
-              <a:spcBef>
-                <a:spcPts val="0"/>
+            <a:pPr indent="0" lvl="0" marL="0" rtl="0" algn="l">
+              <a:spcBef>
+                <a:spcPts val="1200"/>
               </a:spcBef>
               <a:spcAft>
                 <a:spcPts val="0"/>
@@ -8249,30 +9107,36 @@
               <a:buClr>
                 <a:schemeClr val="dk1"/>
               </a:buClr>
-              <a:buSzPts val="1800"/>
-              <a:buAutoNum type="arabicPeriod"/>
-            </a:pPr>
-            <a:r>
-              <a:rPr lang="en">
+              <a:buSzPts val="1100"/>
+              <a:buFont typeface="Arial"/>
+              <a:buNone/>
+            </a:pPr>
+            <a:r>
+              <a:rPr b="1" lang="en" sz="1600">
                 <a:solidFill>
                   <a:schemeClr val="dk1"/>
                 </a:solidFill>
               </a:rPr>
-              <a:t>Linguistic Based (Rule-Based Chatbots)</a:t>
-            </a:r>
-            <a:endParaRPr>
+              <a:t>Cheap Development cost</a:t>
+            </a:r>
+            <a:r>
+              <a:rPr lang="en" sz="1600">
+                <a:solidFill>
+                  <a:schemeClr val="dk1"/>
+                </a:solidFill>
+              </a:rPr>
+              <a:t> - with the advancement in technology many tools are developed that help easy development and integration of chatbots with little investment.</a:t>
+            </a:r>
+            <a:endParaRPr sz="1600">
               <a:solidFill>
                 <a:schemeClr val="dk1"/>
               </a:solidFill>
             </a:endParaRPr>
           </a:p>
           <a:p>
-            <a:pPr indent="-342900" lvl="0" marL="457200" rtl="0" algn="l">
-              <a:lnSpc>
-                <a:spcPct val="150000"/>
-              </a:lnSpc>
-              <a:spcBef>
-                <a:spcPts val="0"/>
+            <a:pPr indent="0" lvl="0" marL="0" rtl="0" algn="l">
+              <a:spcBef>
+                <a:spcPts val="1200"/>
               </a:spcBef>
               <a:spcAft>
                 <a:spcPts val="0"/>
@@ -8280,30 +9144,36 @@
               <a:buClr>
                 <a:schemeClr val="dk1"/>
               </a:buClr>
-              <a:buSzPts val="1800"/>
-              <a:buAutoNum type="arabicPeriod"/>
-            </a:pPr>
-            <a:r>
-              <a:rPr lang="en">
+              <a:buSzPts val="1100"/>
+              <a:buFont typeface="Arial"/>
+              <a:buNone/>
+            </a:pPr>
+            <a:r>
+              <a:rPr b="1" lang="en" sz="1600">
                 <a:solidFill>
                   <a:schemeClr val="dk1"/>
                 </a:solidFill>
               </a:rPr>
-              <a:t>Keyword recognition-based chatbots</a:t>
-            </a:r>
-            <a:endParaRPr>
+              <a:t>Human Resource</a:t>
+            </a:r>
+            <a:r>
+              <a:rPr lang="en" sz="1600">
+                <a:solidFill>
+                  <a:schemeClr val="dk1"/>
+                </a:solidFill>
+              </a:rPr>
+              <a:t> - Today Chatbots can also talk with text o speech technology so it gives the feel as a human is talking on another side.</a:t>
+            </a:r>
+            <a:endParaRPr sz="1600">
               <a:solidFill>
                 <a:schemeClr val="dk1"/>
               </a:solidFill>
             </a:endParaRPr>
           </a:p>
           <a:p>
-            <a:pPr indent="-342900" lvl="0" marL="457200" rtl="0" algn="l">
-              <a:lnSpc>
-                <a:spcPct val="150000"/>
-              </a:lnSpc>
-              <a:spcBef>
-                <a:spcPts val="0"/>
+            <a:pPr indent="0" lvl="0" marL="0" rtl="0" algn="l">
+              <a:spcBef>
+                <a:spcPts val="1200"/>
               </a:spcBef>
               <a:spcAft>
                 <a:spcPts val="0"/>
@@ -8311,111 +9181,46 @@
               <a:buClr>
                 <a:schemeClr val="dk1"/>
               </a:buClr>
-              <a:buSzPts val="1800"/>
-              <a:buAutoNum type="arabicPeriod"/>
-            </a:pPr>
-            <a:r>
-              <a:rPr lang="en">
+              <a:buSzPts val="1100"/>
+              <a:buFont typeface="Arial"/>
+              <a:buNone/>
+            </a:pPr>
+            <a:r>
+              <a:rPr b="1" lang="en" sz="1600">
                 <a:solidFill>
                   <a:schemeClr val="dk1"/>
                 </a:solidFill>
               </a:rPr>
-              <a:t>Machine Learning chatbots</a:t>
-            </a:r>
-            <a:endParaRPr>
+              <a:t>Business Branding</a:t>
+            </a:r>
+            <a:r>
+              <a:rPr lang="en" sz="1600">
+                <a:solidFill>
+                  <a:schemeClr val="dk1"/>
+                </a:solidFill>
+              </a:rPr>
+              <a:t> - Businesses are changing with technology and chatbot is one out of them. Chatbot also helps in advertising, branding of organization product and services and give daily updates to users.</a:t>
+            </a:r>
+            <a:endParaRPr sz="1600">
               <a:solidFill>
                 <a:schemeClr val="dk1"/>
               </a:solidFill>
             </a:endParaRPr>
           </a:p>
           <a:p>
-            <a:pPr indent="-342900" lvl="0" marL="457200" rtl="0" algn="l">
-              <a:lnSpc>
-                <a:spcPct val="150000"/>
-              </a:lnSpc>
-              <a:spcBef>
-                <a:spcPts val="0"/>
-              </a:spcBef>
-              <a:spcAft>
-                <a:spcPts val="0"/>
-              </a:spcAft>
-              <a:buClr>
-                <a:schemeClr val="dk1"/>
-              </a:buClr>
-              <a:buSzPts val="1800"/>
-              <a:buAutoNum type="arabicPeriod"/>
-            </a:pPr>
-            <a:r>
-              <a:rPr lang="en">
-                <a:solidFill>
-                  <a:schemeClr val="dk1"/>
-                </a:solidFill>
-              </a:rPr>
-              <a:t>Voice bots</a:t>
-            </a:r>
-            <a:endParaRPr>
-              <a:solidFill>
-                <a:schemeClr val="dk1"/>
-              </a:solidFill>
-            </a:endParaRPr>
-          </a:p>
-          <a:p>
-            <a:pPr indent="-342900" lvl="0" marL="457200" rtl="0" algn="l">
-              <a:lnSpc>
-                <a:spcPct val="150000"/>
-              </a:lnSpc>
-              <a:spcBef>
-                <a:spcPts val="0"/>
-              </a:spcBef>
-              <a:spcAft>
-                <a:spcPts val="0"/>
-              </a:spcAft>
-              <a:buClr>
-                <a:schemeClr val="dk1"/>
-              </a:buClr>
-              <a:buSzPts val="1800"/>
-              <a:buAutoNum type="arabicPeriod"/>
-            </a:pPr>
-            <a:r>
-              <a:rPr lang="en">
-                <a:solidFill>
-                  <a:schemeClr val="dk1"/>
-                </a:solidFill>
-              </a:rPr>
-              <a:t>Appointment scheduling or Booking Chatbots</a:t>
-            </a:r>
-            <a:endParaRPr>
-              <a:solidFill>
-                <a:schemeClr val="dk1"/>
-              </a:solidFill>
-            </a:endParaRPr>
-          </a:p>
-          <a:p>
-            <a:pPr indent="-342900" lvl="0" marL="457200" rtl="0" algn="l">
-              <a:lnSpc>
-                <a:spcPct val="150000"/>
-              </a:lnSpc>
-              <a:spcBef>
-                <a:spcPts val="0"/>
-              </a:spcBef>
-              <a:spcAft>
-                <a:spcPts val="0"/>
-              </a:spcAft>
-              <a:buClr>
-                <a:schemeClr val="dk1"/>
-              </a:buClr>
-              <a:buSzPts val="1800"/>
-              <a:buAutoNum type="arabicPeriod"/>
-            </a:pPr>
-            <a:r>
-              <a:rPr lang="en">
-                <a:solidFill>
-                  <a:schemeClr val="dk1"/>
-                </a:solidFill>
-              </a:rPr>
-              <a:t>Customer support chatbots</a:t>
-            </a:r>
-            <a:endParaRPr sz="2300"/>
+            <a:pPr indent="0" lvl="0" marL="0" rtl="0" algn="l">
+              <a:spcBef>
+                <a:spcPts val="1200"/>
+              </a:spcBef>
+              <a:spcAft>
+                <a:spcPts val="1200"/>
+              </a:spcAft>
+              <a:buNone/>
+            </a:pPr>
+            <a:r>
+              <a:t/>
+            </a:r>
+            <a:endParaRPr sz="1600"/>
           </a:p>
         </p:txBody>
       </p:sp>
@@ -8478,7 +9283,7 @@
             </a:pPr>
             <a:r>
               <a:rPr lang="en"/>
-              <a:t>Top applications of chatbots</a:t>
+              <a:t>Types of chatbot</a:t>
             </a:r>
             <a:endParaRPr/>
           </a:p>
@@ -8507,7 +9312,10 @@
           </a:bodyPr>
           <a:lstStyle/>
           <a:p>
-            <a:pPr indent="0" lvl="0" marL="0" rtl="0" algn="l">
+            <a:pPr indent="-330200" lvl="0" marL="457200" rtl="0" algn="l">
+              <a:lnSpc>
+                <a:spcPct val="150000"/>
+              </a:lnSpc>
               <a:spcBef>
                 <a:spcPts val="0"/>
               </a:spcBef>
@@ -8517,26 +9325,28 @@
               <a:buClr>
                 <a:schemeClr val="dk1"/>
               </a:buClr>
-              <a:buSzPts val="1100"/>
-              <a:buFont typeface="Arial"/>
-              <a:buNone/>
-            </a:pPr>
-            <a:r>
-              <a:rPr lang="en" sz="1700">
+              <a:buSzPts val="1600"/>
+              <a:buAutoNum type="arabicPeriod"/>
+            </a:pPr>
+            <a:r>
+              <a:rPr lang="en" sz="1600">
                 <a:solidFill>
                   <a:schemeClr val="dk1"/>
                 </a:solidFill>
               </a:rPr>
-              <a:t>Retail and e-commerce</a:t>
-            </a:r>
-            <a:endParaRPr sz="1700">
+              <a:t>Menu/button-based chatbots</a:t>
+            </a:r>
+            <a:endParaRPr sz="1600">
               <a:solidFill>
                 <a:schemeClr val="dk1"/>
               </a:solidFill>
             </a:endParaRPr>
           </a:p>
           <a:p>
-            <a:pPr indent="-323850" lvl="0" marL="457200" rtl="0" algn="l">
+            <a:pPr indent="-330200" lvl="0" marL="457200" rtl="0" algn="l">
+              <a:lnSpc>
+                <a:spcPct val="150000"/>
+              </a:lnSpc>
               <a:spcBef>
                 <a:spcPts val="0"/>
               </a:spcBef>
@@ -8546,25 +9356,28 @@
               <a:buClr>
                 <a:schemeClr val="dk1"/>
               </a:buClr>
-              <a:buSzPts val="1500"/>
-              <a:buChar char="●"/>
-            </a:pPr>
-            <a:r>
-              <a:rPr lang="en" sz="1500">
+              <a:buSzPts val="1600"/>
+              <a:buAutoNum type="arabicPeriod"/>
+            </a:pPr>
+            <a:r>
+              <a:rPr lang="en" sz="1600">
                 <a:solidFill>
                   <a:schemeClr val="dk1"/>
                 </a:solidFill>
               </a:rPr>
-              <a:t>Product and price notifications</a:t>
-            </a:r>
-            <a:endParaRPr sz="1500">
+              <a:t>Linguistic Based (Rule-Based Chatbots)</a:t>
+            </a:r>
+            <a:endParaRPr sz="1600">
               <a:solidFill>
                 <a:schemeClr val="dk1"/>
               </a:solidFill>
             </a:endParaRPr>
           </a:p>
           <a:p>
-            <a:pPr indent="-323850" lvl="0" marL="457200" rtl="0" algn="l">
+            <a:pPr indent="-330200" lvl="0" marL="457200" rtl="0" algn="l">
+              <a:lnSpc>
+                <a:spcPct val="150000"/>
+              </a:lnSpc>
               <a:spcBef>
                 <a:spcPts val="0"/>
               </a:spcBef>
@@ -8574,25 +9387,28 @@
               <a:buClr>
                 <a:schemeClr val="dk1"/>
               </a:buClr>
-              <a:buSzPts val="1500"/>
-              <a:buChar char="●"/>
-            </a:pPr>
-            <a:r>
-              <a:rPr lang="en" sz="1500">
+              <a:buSzPts val="1600"/>
+              <a:buAutoNum type="arabicPeriod"/>
+            </a:pPr>
+            <a:r>
+              <a:rPr b="1" lang="en" sz="1600">
                 <a:solidFill>
                   <a:schemeClr val="dk1"/>
                 </a:solidFill>
               </a:rPr>
-              <a:t>Card abandonment</a:t>
-            </a:r>
-            <a:endParaRPr sz="1500">
+              <a:t>Keyword recognition-based chatbots</a:t>
+            </a:r>
+            <a:endParaRPr b="1" sz="1600">
               <a:solidFill>
                 <a:schemeClr val="dk1"/>
               </a:solidFill>
             </a:endParaRPr>
           </a:p>
           <a:p>
-            <a:pPr indent="-323850" lvl="0" marL="457200" rtl="0" algn="l">
+            <a:pPr indent="-330200" lvl="0" marL="457200" rtl="0" algn="l">
+              <a:lnSpc>
+                <a:spcPct val="150000"/>
+              </a:lnSpc>
               <a:spcBef>
                 <a:spcPts val="0"/>
               </a:spcBef>
@@ -8602,44 +9418,59 @@
               <a:buClr>
                 <a:schemeClr val="dk1"/>
               </a:buClr>
-              <a:buSzPts val="1500"/>
-              <a:buChar char="●"/>
-            </a:pPr>
-            <a:r>
-              <a:rPr lang="en" sz="1500">
+              <a:buSzPts val="1600"/>
+              <a:buAutoNum type="arabicPeriod"/>
+            </a:pPr>
+            <a:r>
+              <a:rPr lang="en" sz="1600">
                 <a:solidFill>
                   <a:schemeClr val="dk1"/>
                 </a:solidFill>
               </a:rPr>
-              <a:t>Purchase assistance</a:t>
-            </a:r>
-            <a:endParaRPr sz="1500">
+              <a:t>Self-learning chatbots</a:t>
+            </a:r>
+            <a:endParaRPr sz="1600">
               <a:solidFill>
                 <a:schemeClr val="dk1"/>
               </a:solidFill>
             </a:endParaRPr>
           </a:p>
           <a:p>
-            <a:pPr indent="0" lvl="0" marL="457200" rtl="0" algn="l">
-              <a:spcBef>
-                <a:spcPts val="0"/>
-              </a:spcBef>
-              <a:spcAft>
-                <a:spcPts val="0"/>
-              </a:spcAft>
-              <a:buNone/>
-            </a:pPr>
-            <a:r>
-              <a:t/>
-            </a:r>
-            <a:endParaRPr sz="1500">
+            <a:pPr indent="-330200" lvl="0" marL="457200" rtl="0" algn="l">
+              <a:lnSpc>
+                <a:spcPct val="150000"/>
+              </a:lnSpc>
+              <a:spcBef>
+                <a:spcPts val="0"/>
+              </a:spcBef>
+              <a:spcAft>
+                <a:spcPts val="0"/>
+              </a:spcAft>
+              <a:buClr>
+                <a:schemeClr val="dk1"/>
+              </a:buClr>
+              <a:buSzPts val="1600"/>
+              <a:buAutoNum type="arabicPeriod"/>
+            </a:pPr>
+            <a:r>
+              <a:rPr lang="en" sz="1600">
+                <a:solidFill>
+                  <a:schemeClr val="dk1"/>
+                </a:solidFill>
+              </a:rPr>
+              <a:t>Voice bots</a:t>
+            </a:r>
+            <a:endParaRPr sz="1600">
               <a:solidFill>
                 <a:schemeClr val="dk1"/>
               </a:solidFill>
             </a:endParaRPr>
           </a:p>
           <a:p>
-            <a:pPr indent="0" lvl="0" marL="0" rtl="0" algn="l">
+            <a:pPr indent="-330200" lvl="0" marL="457200" rtl="0" algn="l">
+              <a:lnSpc>
+                <a:spcPct val="150000"/>
+              </a:lnSpc>
               <a:spcBef>
                 <a:spcPts val="0"/>
               </a:spcBef>
@@ -8649,26 +9480,28 @@
               <a:buClr>
                 <a:schemeClr val="dk1"/>
               </a:buClr>
-              <a:buSzPts val="1100"/>
-              <a:buFont typeface="Arial"/>
-              <a:buNone/>
-            </a:pPr>
-            <a:r>
-              <a:rPr lang="en" sz="1700">
+              <a:buSzPts val="1600"/>
+              <a:buAutoNum type="arabicPeriod"/>
+            </a:pPr>
+            <a:r>
+              <a:rPr lang="en" sz="1600">
                 <a:solidFill>
                   <a:schemeClr val="dk1"/>
                 </a:solidFill>
               </a:rPr>
-              <a:t>Travel and hospitality</a:t>
-            </a:r>
-            <a:endParaRPr sz="1700">
+              <a:t>Appointment scheduling or Booking Chatbots</a:t>
+            </a:r>
+            <a:endParaRPr sz="1600">
               <a:solidFill>
                 <a:schemeClr val="dk1"/>
               </a:solidFill>
             </a:endParaRPr>
           </a:p>
           <a:p>
-            <a:pPr indent="-323850" lvl="0" marL="457200" rtl="0" algn="l">
+            <a:pPr indent="-330200" lvl="0" marL="457200" rtl="0" algn="l">
+              <a:lnSpc>
+                <a:spcPct val="150000"/>
+              </a:lnSpc>
               <a:spcBef>
                 <a:spcPts val="0"/>
               </a:spcBef>
@@ -8678,121 +9511,18 @@
               <a:buClr>
                 <a:schemeClr val="dk1"/>
               </a:buClr>
-              <a:buSzPts val="1500"/>
-              <a:buChar char="●"/>
-            </a:pPr>
-            <a:r>
-              <a:rPr lang="en" sz="1500">
+              <a:buSzPts val="1600"/>
+              <a:buAutoNum type="arabicPeriod"/>
+            </a:pPr>
+            <a:r>
+              <a:rPr lang="en" sz="1600">
                 <a:solidFill>
                   <a:schemeClr val="dk1"/>
                 </a:solidFill>
               </a:rPr>
-              <a:t>Reservations</a:t>
-            </a:r>
-            <a:endParaRPr sz="1500">
-              <a:solidFill>
-                <a:schemeClr val="dk1"/>
-              </a:solidFill>
-            </a:endParaRPr>
-          </a:p>
-          <a:p>
-            <a:pPr indent="-323850" lvl="0" marL="457200" rtl="0" algn="l">
-              <a:spcBef>
-                <a:spcPts val="0"/>
-              </a:spcBef>
-              <a:spcAft>
-                <a:spcPts val="0"/>
-              </a:spcAft>
-              <a:buClr>
-                <a:schemeClr val="dk1"/>
-              </a:buClr>
-              <a:buSzPts val="1500"/>
-              <a:buChar char="●"/>
-            </a:pPr>
-            <a:r>
-              <a:rPr lang="en" sz="1500">
-                <a:solidFill>
-                  <a:schemeClr val="dk1"/>
-                </a:solidFill>
-              </a:rPr>
-              <a:t>Bookings</a:t>
-            </a:r>
-            <a:endParaRPr sz="1500">
-              <a:solidFill>
-                <a:schemeClr val="dk1"/>
-              </a:solidFill>
-            </a:endParaRPr>
-          </a:p>
-          <a:p>
-            <a:pPr indent="-323850" lvl="0" marL="457200" rtl="0" algn="l">
-              <a:spcBef>
-                <a:spcPts val="0"/>
-              </a:spcBef>
-              <a:spcAft>
-                <a:spcPts val="0"/>
-              </a:spcAft>
-              <a:buClr>
-                <a:schemeClr val="dk1"/>
-              </a:buClr>
-              <a:buSzPts val="1500"/>
-              <a:buChar char="●"/>
-            </a:pPr>
-            <a:r>
-              <a:rPr lang="en" sz="1500">
-                <a:solidFill>
-                  <a:schemeClr val="dk1"/>
-                </a:solidFill>
-              </a:rPr>
-              <a:t>Refund or reschedule assistance</a:t>
-            </a:r>
-            <a:endParaRPr sz="1500">
-              <a:solidFill>
-                <a:schemeClr val="dk1"/>
-              </a:solidFill>
-            </a:endParaRPr>
-          </a:p>
-          <a:p>
-            <a:pPr indent="-323850" lvl="0" marL="457200" rtl="0" algn="l">
-              <a:spcBef>
-                <a:spcPts val="0"/>
-              </a:spcBef>
-              <a:spcAft>
-                <a:spcPts val="0"/>
-              </a:spcAft>
-              <a:buClr>
-                <a:schemeClr val="dk1"/>
-              </a:buClr>
-              <a:buSzPts val="1500"/>
-              <a:buChar char="●"/>
-            </a:pPr>
-            <a:r>
-              <a:rPr lang="en" sz="1500">
-                <a:solidFill>
-                  <a:schemeClr val="dk1"/>
-                </a:solidFill>
-              </a:rPr>
-              <a:t>Ordering and delivery</a:t>
-            </a:r>
-            <a:endParaRPr sz="1500">
-              <a:solidFill>
-                <a:schemeClr val="dk1"/>
-              </a:solidFill>
-            </a:endParaRPr>
-          </a:p>
-          <a:p>
-            <a:pPr indent="0" lvl="0" marL="0" rtl="0" algn="l">
-              <a:spcBef>
-                <a:spcPts val="0"/>
-              </a:spcBef>
-              <a:spcAft>
-                <a:spcPts val="1200"/>
-              </a:spcAft>
-              <a:buNone/>
-            </a:pPr>
-            <a:r>
-              <a:t/>
-            </a:r>
-            <a:endParaRPr/>
+              <a:t>Customer support chatbots</a:t>
+            </a:r>
+            <a:endParaRPr sz="1600"/>
           </a:p>
         </p:txBody>
       </p:sp>
@@ -8851,11 +9581,6 @@
               <a:spcAft>
                 <a:spcPts val="0"/>
               </a:spcAft>
-              <a:buClr>
-                <a:schemeClr val="dk1"/>
-              </a:buClr>
-              <a:buSzPct val="39285"/>
-              <a:buFont typeface="Arial"/>
               <a:buNone/>
             </a:pPr>
             <a:r>
@@ -8904,21 +9629,21 @@
               <a:buNone/>
             </a:pPr>
             <a:r>
-              <a:rPr lang="en" sz="1700">
+              <a:rPr lang="en" sz="1600">
                 <a:solidFill>
                   <a:schemeClr val="dk1"/>
                 </a:solidFill>
               </a:rPr>
-              <a:t>Banking, finance, and fintech</a:t>
-            </a:r>
-            <a:endParaRPr sz="1700">
+              <a:t>Retail and e-commerce</a:t>
+            </a:r>
+            <a:endParaRPr sz="1600">
               <a:solidFill>
                 <a:schemeClr val="dk1"/>
               </a:solidFill>
             </a:endParaRPr>
           </a:p>
           <a:p>
-            <a:pPr indent="-323850" lvl="0" marL="457200" rtl="0" algn="l">
+            <a:pPr indent="-330200" lvl="0" marL="457200" rtl="0" algn="l">
               <a:spcBef>
                 <a:spcPts val="0"/>
               </a:spcBef>
@@ -8928,25 +9653,25 @@
               <a:buClr>
                 <a:schemeClr val="dk1"/>
               </a:buClr>
-              <a:buSzPts val="1500"/>
+              <a:buSzPts val="1600"/>
               <a:buChar char="●"/>
             </a:pPr>
             <a:r>
-              <a:rPr lang="en" sz="1500">
+              <a:rPr lang="en" sz="1600">
                 <a:solidFill>
                   <a:schemeClr val="dk1"/>
                 </a:solidFill>
               </a:rPr>
-              <a:t>Personal financial information</a:t>
-            </a:r>
-            <a:endParaRPr sz="1500">
+              <a:t>Product and price notifications</a:t>
+            </a:r>
+            <a:endParaRPr sz="1600">
               <a:solidFill>
                 <a:schemeClr val="dk1"/>
               </a:solidFill>
             </a:endParaRPr>
           </a:p>
           <a:p>
-            <a:pPr indent="-323850" lvl="0" marL="457200" rtl="0" algn="l">
+            <a:pPr indent="-330200" lvl="0" marL="457200" rtl="0" algn="l">
               <a:spcBef>
                 <a:spcPts val="0"/>
               </a:spcBef>
@@ -8956,25 +9681,25 @@
               <a:buClr>
                 <a:schemeClr val="dk1"/>
               </a:buClr>
-              <a:buSzPts val="1500"/>
+              <a:buSzPts val="1600"/>
               <a:buChar char="●"/>
             </a:pPr>
             <a:r>
-              <a:rPr lang="en" sz="1500">
+              <a:rPr lang="en" sz="1600">
                 <a:solidFill>
                   <a:schemeClr val="dk1"/>
                 </a:solidFill>
               </a:rPr>
-              <a:t>Loan services</a:t>
-            </a:r>
-            <a:endParaRPr sz="1500">
+              <a:t>Card abandonment</a:t>
+            </a:r>
+            <a:endParaRPr sz="1600">
               <a:solidFill>
                 <a:schemeClr val="dk1"/>
               </a:solidFill>
             </a:endParaRPr>
           </a:p>
           <a:p>
-            <a:pPr indent="-323850" lvl="0" marL="457200" rtl="0" algn="l">
+            <a:pPr indent="-330200" lvl="0" marL="457200" rtl="0" algn="l">
               <a:spcBef>
                 <a:spcPts val="0"/>
               </a:spcBef>
@@ -8984,25 +9709,25 @@
               <a:buClr>
                 <a:schemeClr val="dk1"/>
               </a:buClr>
-              <a:buSzPts val="1500"/>
+              <a:buSzPts val="1600"/>
               <a:buChar char="●"/>
             </a:pPr>
             <a:r>
-              <a:rPr lang="en" sz="1500">
+              <a:rPr lang="en" sz="1600">
                 <a:solidFill>
                   <a:schemeClr val="dk1"/>
                 </a:solidFill>
               </a:rPr>
-              <a:t>Banking services</a:t>
-            </a:r>
-            <a:endParaRPr sz="1500">
+              <a:t>Purchase assistance</a:t>
+            </a:r>
+            <a:endParaRPr sz="1600">
               <a:solidFill>
                 <a:schemeClr val="dk1"/>
               </a:solidFill>
             </a:endParaRPr>
           </a:p>
           <a:p>
-            <a:pPr indent="0" lvl="0" marL="0" rtl="0" algn="l">
+            <a:pPr indent="0" lvl="0" marL="457200" rtl="0" algn="l">
               <a:spcBef>
                 <a:spcPts val="0"/>
               </a:spcBef>
@@ -9014,7 +9739,7 @@
             <a:r>
               <a:t/>
             </a:r>
-            <a:endParaRPr sz="1500">
+            <a:endParaRPr sz="1600">
               <a:solidFill>
                 <a:schemeClr val="dk1"/>
               </a:solidFill>
@@ -9036,21 +9761,21 @@
               <a:buNone/>
             </a:pPr>
             <a:r>
-              <a:rPr lang="en" sz="1700">
+              <a:rPr lang="en" sz="1600">
                 <a:solidFill>
                   <a:schemeClr val="dk1"/>
                 </a:solidFill>
               </a:rPr>
-              <a:t>Healthcare</a:t>
-            </a:r>
-            <a:endParaRPr sz="1700">
+              <a:t>Travel and hospitality</a:t>
+            </a:r>
+            <a:endParaRPr sz="1600">
               <a:solidFill>
                 <a:schemeClr val="dk1"/>
               </a:solidFill>
             </a:endParaRPr>
           </a:p>
           <a:p>
-            <a:pPr indent="-323850" lvl="0" marL="457200" rtl="0" algn="l">
+            <a:pPr indent="-330200" lvl="0" marL="457200" rtl="0" algn="l">
               <a:spcBef>
                 <a:spcPts val="0"/>
               </a:spcBef>
@@ -9060,25 +9785,25 @@
               <a:buClr>
                 <a:schemeClr val="dk1"/>
               </a:buClr>
-              <a:buSzPts val="1500"/>
+              <a:buSzPts val="1600"/>
               <a:buChar char="●"/>
             </a:pPr>
             <a:r>
-              <a:rPr lang="en" sz="1500">
+              <a:rPr lang="en" sz="1600">
                 <a:solidFill>
                   <a:schemeClr val="dk1"/>
                 </a:solidFill>
               </a:rPr>
-              <a:t>Billing and insurance processes</a:t>
-            </a:r>
-            <a:endParaRPr sz="1500">
+              <a:t>Reservations</a:t>
+            </a:r>
+            <a:endParaRPr sz="1600">
               <a:solidFill>
                 <a:schemeClr val="dk1"/>
               </a:solidFill>
             </a:endParaRPr>
           </a:p>
           <a:p>
-            <a:pPr indent="-323850" lvl="0" marL="457200" rtl="0" algn="l">
+            <a:pPr indent="-330200" lvl="0" marL="457200" rtl="0" algn="l">
               <a:spcBef>
                 <a:spcPts val="0"/>
               </a:spcBef>
@@ -9088,25 +9813,25 @@
               <a:buClr>
                 <a:schemeClr val="dk1"/>
               </a:buClr>
-              <a:buSzPts val="1500"/>
+              <a:buSzPts val="1600"/>
               <a:buChar char="●"/>
             </a:pPr>
             <a:r>
-              <a:rPr lang="en" sz="1500">
+              <a:rPr lang="en" sz="1600">
                 <a:solidFill>
                   <a:schemeClr val="dk1"/>
                 </a:solidFill>
               </a:rPr>
-              <a:t>Appointment booking</a:t>
-            </a:r>
-            <a:endParaRPr sz="1500">
+              <a:t>Bookings</a:t>
+            </a:r>
+            <a:endParaRPr sz="1600">
               <a:solidFill>
                 <a:schemeClr val="dk1"/>
               </a:solidFill>
             </a:endParaRPr>
           </a:p>
           <a:p>
-            <a:pPr indent="-323850" lvl="0" marL="457200" rtl="0" algn="l">
+            <a:pPr indent="-330200" lvl="0" marL="457200" rtl="0" algn="l">
               <a:spcBef>
                 <a:spcPts val="0"/>
               </a:spcBef>
@@ -9116,18 +9841,65 @@
               <a:buClr>
                 <a:schemeClr val="dk1"/>
               </a:buClr>
-              <a:buSzPts val="1500"/>
+              <a:buSzPts val="1600"/>
               <a:buChar char="●"/>
             </a:pPr>
             <a:r>
-              <a:rPr lang="en" sz="1500">
+              <a:rPr lang="en" sz="1600">
                 <a:solidFill>
                   <a:schemeClr val="dk1"/>
                 </a:solidFill>
               </a:rPr>
-              <a:t>Conversational self-service</a:t>
-            </a:r>
-            <a:endParaRPr sz="1500"/>
+              <a:t>Refund or reschedule assistance</a:t>
+            </a:r>
+            <a:endParaRPr sz="1600">
+              <a:solidFill>
+                <a:schemeClr val="dk1"/>
+              </a:solidFill>
+            </a:endParaRPr>
+          </a:p>
+          <a:p>
+            <a:pPr indent="-330200" lvl="0" marL="457200" rtl="0" algn="l">
+              <a:spcBef>
+                <a:spcPts val="0"/>
+              </a:spcBef>
+              <a:spcAft>
+                <a:spcPts val="0"/>
+              </a:spcAft>
+              <a:buClr>
+                <a:schemeClr val="dk1"/>
+              </a:buClr>
+              <a:buSzPts val="1600"/>
+              <a:buChar char="●"/>
+            </a:pPr>
+            <a:r>
+              <a:rPr lang="en" sz="1600">
+                <a:solidFill>
+                  <a:schemeClr val="dk1"/>
+                </a:solidFill>
+              </a:rPr>
+              <a:t>Ordering and delivery</a:t>
+            </a:r>
+            <a:endParaRPr sz="1600">
+              <a:solidFill>
+                <a:schemeClr val="dk1"/>
+              </a:solidFill>
+            </a:endParaRPr>
+          </a:p>
+          <a:p>
+            <a:pPr indent="0" lvl="0" marL="0" rtl="0" algn="l">
+              <a:spcBef>
+                <a:spcPts val="0"/>
+              </a:spcBef>
+              <a:spcAft>
+                <a:spcPts val="1200"/>
+              </a:spcAft>
+              <a:buNone/>
+            </a:pPr>
+            <a:r>
+              <a:t/>
+            </a:r>
+            <a:endParaRPr sz="1600"/>
           </a:p>
         </p:txBody>
       </p:sp>
@@ -9239,21 +10011,21 @@
               <a:buNone/>
             </a:pPr>
             <a:r>
-              <a:rPr lang="en" sz="1700">
+              <a:rPr lang="en" sz="1600">
                 <a:solidFill>
                   <a:schemeClr val="dk1"/>
                 </a:solidFill>
               </a:rPr>
-              <a:t>Media and entertainment</a:t>
-            </a:r>
-            <a:endParaRPr sz="1700">
+              <a:t>Banking, finance, and fintech</a:t>
+            </a:r>
+            <a:endParaRPr sz="1600">
               <a:solidFill>
                 <a:schemeClr val="dk1"/>
               </a:solidFill>
             </a:endParaRPr>
           </a:p>
           <a:p>
-            <a:pPr indent="-323850" lvl="0" marL="457200" rtl="0" algn="l">
+            <a:pPr indent="-330200" lvl="0" marL="457200" rtl="0" algn="l">
               <a:spcBef>
                 <a:spcPts val="0"/>
               </a:spcBef>
@@ -9263,25 +10035,25 @@
               <a:buClr>
                 <a:schemeClr val="dk1"/>
               </a:buClr>
-              <a:buSzPts val="1500"/>
+              <a:buSzPts val="1600"/>
               <a:buChar char="●"/>
             </a:pPr>
             <a:r>
-              <a:rPr lang="en" sz="1500">
+              <a:rPr lang="en" sz="1600">
                 <a:solidFill>
                   <a:schemeClr val="dk1"/>
                 </a:solidFill>
               </a:rPr>
-              <a:t>On-demand content</a:t>
-            </a:r>
-            <a:endParaRPr sz="1500">
+              <a:t>Personal financial information</a:t>
+            </a:r>
+            <a:endParaRPr sz="1600">
               <a:solidFill>
                 <a:schemeClr val="dk1"/>
               </a:solidFill>
             </a:endParaRPr>
           </a:p>
           <a:p>
-            <a:pPr indent="-323850" lvl="0" marL="457200" rtl="0" algn="l">
+            <a:pPr indent="-330200" lvl="0" marL="457200" rtl="0" algn="l">
               <a:spcBef>
                 <a:spcPts val="0"/>
               </a:spcBef>
@@ -9291,25 +10063,25 @@
               <a:buClr>
                 <a:schemeClr val="dk1"/>
               </a:buClr>
-              <a:buSzPts val="1500"/>
+              <a:buSzPts val="1600"/>
               <a:buChar char="●"/>
             </a:pPr>
             <a:r>
-              <a:rPr lang="en" sz="1500">
+              <a:rPr lang="en" sz="1600">
                 <a:solidFill>
                   <a:schemeClr val="dk1"/>
                 </a:solidFill>
               </a:rPr>
-              <a:t>Subscription management</a:t>
-            </a:r>
-            <a:endParaRPr sz="1500">
+              <a:t>Loan services</a:t>
+            </a:r>
+            <a:endParaRPr sz="1600">
               <a:solidFill>
                 <a:schemeClr val="dk1"/>
               </a:solidFill>
             </a:endParaRPr>
           </a:p>
           <a:p>
-            <a:pPr indent="-323850" lvl="0" marL="457200" rtl="0" algn="l">
+            <a:pPr indent="-330200" lvl="0" marL="457200" rtl="0" algn="l">
               <a:spcBef>
                 <a:spcPts val="0"/>
               </a:spcBef>
@@ -9319,18 +10091,18 @@
               <a:buClr>
                 <a:schemeClr val="dk1"/>
               </a:buClr>
-              <a:buSzPts val="1500"/>
+              <a:buSzPts val="1600"/>
               <a:buChar char="●"/>
             </a:pPr>
             <a:r>
-              <a:rPr lang="en" sz="1500">
+              <a:rPr lang="en" sz="1600">
                 <a:solidFill>
                   <a:schemeClr val="dk1"/>
                 </a:solidFill>
               </a:rPr>
-              <a:t>Installation and maintenance</a:t>
-            </a:r>
-            <a:endParaRPr sz="1500">
+              <a:t>Banking services</a:t>
+            </a:r>
+            <a:endParaRPr sz="1600">
               <a:solidFill>
                 <a:schemeClr val="dk1"/>
               </a:solidFill>
@@ -9349,7 +10121,7 @@
             <a:r>
               <a:t/>
             </a:r>
-            <a:endParaRPr sz="1500">
+            <a:endParaRPr sz="1600">
               <a:solidFill>
                 <a:schemeClr val="dk1"/>
               </a:solidFill>
@@ -9371,21 +10143,21 @@
               <a:buNone/>
             </a:pPr>
             <a:r>
-              <a:rPr lang="en" sz="1700">
+              <a:rPr lang="en" sz="1600">
                 <a:solidFill>
                   <a:schemeClr val="dk1"/>
                 </a:solidFill>
               </a:rPr>
-              <a:t>Education</a:t>
-            </a:r>
-            <a:endParaRPr sz="1700">
+              <a:t>Healthcare</a:t>
+            </a:r>
+            <a:endParaRPr sz="1600">
               <a:solidFill>
                 <a:schemeClr val="dk1"/>
               </a:solidFill>
             </a:endParaRPr>
           </a:p>
           <a:p>
-            <a:pPr indent="-323850" lvl="0" marL="457200" rtl="0" algn="l">
+            <a:pPr indent="-330200" lvl="0" marL="457200" rtl="0" algn="l">
               <a:spcBef>
                 <a:spcPts val="0"/>
               </a:spcBef>
@@ -9395,25 +10167,25 @@
               <a:buClr>
                 <a:schemeClr val="dk1"/>
               </a:buClr>
-              <a:buSzPts val="1500"/>
+              <a:buSzPts val="1600"/>
               <a:buChar char="●"/>
             </a:pPr>
             <a:r>
-              <a:rPr lang="en" sz="1500">
+              <a:rPr lang="en" sz="1600">
                 <a:solidFill>
                   <a:schemeClr val="dk1"/>
                 </a:solidFill>
               </a:rPr>
-              <a:t>Student assistance</a:t>
-            </a:r>
-            <a:endParaRPr sz="1500">
+              <a:t>Billing and insurance processes</a:t>
+            </a:r>
+            <a:endParaRPr sz="1600">
               <a:solidFill>
                 <a:schemeClr val="dk1"/>
               </a:solidFill>
             </a:endParaRPr>
           </a:p>
           <a:p>
-            <a:pPr indent="-323850" lvl="0" marL="457200" rtl="0" algn="l">
+            <a:pPr indent="-330200" lvl="0" marL="457200" rtl="0" algn="l">
               <a:spcBef>
                 <a:spcPts val="0"/>
               </a:spcBef>
@@ -9423,25 +10195,25 @@
               <a:buClr>
                 <a:schemeClr val="dk1"/>
               </a:buClr>
-              <a:buSzPts val="1500"/>
+              <a:buSzPts val="1600"/>
               <a:buChar char="●"/>
             </a:pPr>
             <a:r>
-              <a:rPr lang="en" sz="1500">
+              <a:rPr lang="en" sz="1600">
                 <a:solidFill>
                   <a:schemeClr val="dk1"/>
                 </a:solidFill>
               </a:rPr>
-              <a:t>Announcements and updates</a:t>
-            </a:r>
-            <a:endParaRPr sz="1500">
+              <a:t>Appointment booking</a:t>
+            </a:r>
+            <a:endParaRPr sz="1600">
               <a:solidFill>
                 <a:schemeClr val="dk1"/>
               </a:solidFill>
             </a:endParaRPr>
           </a:p>
           <a:p>
-            <a:pPr indent="-323850" lvl="0" marL="457200" rtl="0" algn="l">
+            <a:pPr indent="-330200" lvl="0" marL="457200" rtl="0" algn="l">
               <a:spcBef>
                 <a:spcPts val="0"/>
               </a:spcBef>
@@ -9451,22 +10223,18 @@
               <a:buClr>
                 <a:schemeClr val="dk1"/>
               </a:buClr>
-              <a:buSzPts val="1500"/>
+              <a:buSzPts val="1600"/>
               <a:buChar char="●"/>
             </a:pPr>
             <a:r>
-              <a:rPr lang="en" sz="1500">
+              <a:rPr lang="en" sz="1600">
                 <a:solidFill>
                   <a:schemeClr val="dk1"/>
                 </a:solidFill>
               </a:rPr>
-              <a:t>International student assistance</a:t>
-            </a:r>
-            <a:endParaRPr sz="1500">
-              <a:solidFill>
-                <a:schemeClr val="dk1"/>
-              </a:solidFill>
-            </a:endParaRPr>
+              <a:t>Conversational self-service</a:t>
+            </a:r>
+            <a:endParaRPr sz="1600"/>
           </a:p>
         </p:txBody>
       </p:sp>
@@ -9525,11 +10293,16 @@
               <a:spcAft>
                 <a:spcPts val="0"/>
               </a:spcAft>
+              <a:buClr>
+                <a:schemeClr val="dk1"/>
+              </a:buClr>
+              <a:buSzPct val="39285"/>
+              <a:buFont typeface="Arial"/>
               <a:buNone/>
             </a:pPr>
             <a:r>
               <a:rPr lang="en"/>
-              <a:t>Architecture of Chatbots</a:t>
+              <a:t>Top applications of chatbots</a:t>
             </a:r>
             <a:endParaRPr/>
           </a:p>
@@ -9565,159 +10338,6 @@
               <a:spcAft>
                 <a:spcPts val="0"/>
               </a:spcAft>
-              <a:buNone/>
-            </a:pPr>
-            <a:r>
-              <a:rPr lang="en" sz="1500">
-                <a:solidFill>
-                  <a:schemeClr val="dk1"/>
-                </a:solidFill>
-              </a:rPr>
-              <a:t>Chatbot architecture is the heart of chatbot development. Based on the usability and context of business operations the architecture involved in building a chatbot changes dramatically. So, based on client requirements we need to alter different elements; but the basic communication flow remains the same.</a:t>
-            </a:r>
-            <a:endParaRPr sz="1500">
-              <a:solidFill>
-                <a:schemeClr val="dk1"/>
-              </a:solidFill>
-            </a:endParaRPr>
-          </a:p>
-          <a:p>
-            <a:pPr indent="0" lvl="0" marL="0" rtl="0" algn="l">
-              <a:spcBef>
-                <a:spcPts val="0"/>
-              </a:spcBef>
-              <a:spcAft>
-                <a:spcPts val="0"/>
-              </a:spcAft>
-              <a:buNone/>
-            </a:pPr>
-            <a:r>
-              <a:t/>
-            </a:r>
-            <a:endParaRPr sz="1500">
-              <a:solidFill>
-                <a:schemeClr val="dk1"/>
-              </a:solidFill>
-            </a:endParaRPr>
-          </a:p>
-          <a:p>
-            <a:pPr indent="0" lvl="0" marL="0" rtl="0" algn="l">
-              <a:spcBef>
-                <a:spcPts val="0"/>
-              </a:spcBef>
-              <a:spcAft>
-                <a:spcPts val="0"/>
-              </a:spcAft>
-              <a:buNone/>
-            </a:pPr>
-            <a:r>
-              <a:rPr lang="en" sz="1500">
-                <a:solidFill>
-                  <a:schemeClr val="dk1"/>
-                </a:solidFill>
-              </a:rPr>
-              <a:t>Following are the key components of a conversational chatbot architecture: </a:t>
-            </a:r>
-            <a:endParaRPr sz="1500">
-              <a:solidFill>
-                <a:schemeClr val="dk1"/>
-              </a:solidFill>
-            </a:endParaRPr>
-          </a:p>
-          <a:p>
-            <a:pPr indent="0" lvl="0" marL="0" rtl="0" algn="l">
-              <a:spcBef>
-                <a:spcPts val="0"/>
-              </a:spcBef>
-              <a:spcAft>
-                <a:spcPts val="0"/>
-              </a:spcAft>
-              <a:buNone/>
-            </a:pPr>
-            <a:r>
-              <a:t/>
-            </a:r>
-            <a:endParaRPr sz="1500">
-              <a:solidFill>
-                <a:schemeClr val="dk1"/>
-              </a:solidFill>
-            </a:endParaRPr>
-          </a:p>
-          <a:p>
-            <a:pPr indent="0" lvl="0" marL="0" rtl="0" algn="l">
-              <a:spcBef>
-                <a:spcPts val="0"/>
-              </a:spcBef>
-              <a:spcAft>
-                <a:spcPts val="0"/>
-              </a:spcAft>
-              <a:buNone/>
-            </a:pPr>
-            <a:r>
-              <a:rPr b="1" lang="en" sz="1500">
-                <a:solidFill>
-                  <a:schemeClr val="dk1"/>
-                </a:solidFill>
-              </a:rPr>
-              <a:t>Environment </a:t>
-            </a:r>
-            <a:endParaRPr b="1" sz="1500">
-              <a:solidFill>
-                <a:schemeClr val="dk1"/>
-              </a:solidFill>
-            </a:endParaRPr>
-          </a:p>
-          <a:p>
-            <a:pPr indent="0" lvl="0" marL="0" rtl="0" algn="l">
-              <a:spcBef>
-                <a:spcPts val="0"/>
-              </a:spcBef>
-              <a:spcAft>
-                <a:spcPts val="0"/>
-              </a:spcAft>
-              <a:buNone/>
-            </a:pPr>
-            <a:r>
-              <a:rPr lang="en" sz="1500">
-                <a:solidFill>
-                  <a:schemeClr val="dk1"/>
-                </a:solidFill>
-              </a:rPr>
-              <a:t>This is where the core Natural Learning Process (NLP) engine and context interpretation happens.</a:t>
-            </a:r>
-            <a:endParaRPr sz="1500">
-              <a:solidFill>
-                <a:schemeClr val="dk1"/>
-              </a:solidFill>
-            </a:endParaRPr>
-          </a:p>
-          <a:p>
-            <a:pPr indent="0" lvl="0" marL="0" rtl="0" algn="l">
-              <a:spcBef>
-                <a:spcPts val="0"/>
-              </a:spcBef>
-              <a:spcAft>
-                <a:spcPts val="0"/>
-              </a:spcAft>
-              <a:buNone/>
-            </a:pPr>
-            <a:r>
-              <a:t/>
-            </a:r>
-            <a:endParaRPr sz="1500">
-              <a:solidFill>
-                <a:schemeClr val="dk1"/>
-              </a:solidFill>
-            </a:endParaRPr>
-          </a:p>
-          <a:p>
-            <a:pPr indent="0" lvl="0" marL="0" rtl="0" algn="l">
-              <a:spcBef>
-                <a:spcPts val="0"/>
-              </a:spcBef>
-              <a:spcAft>
-                <a:spcPts val="0"/>
-              </a:spcAft>
               <a:buClr>
                 <a:schemeClr val="dk1"/>
               </a:buClr>
@@ -9726,9 +10346,230 @@
               <a:buNone/>
             </a:pPr>
             <a:r>
+              <a:rPr lang="en" sz="1600">
+                <a:solidFill>
+                  <a:schemeClr val="dk1"/>
+                </a:solidFill>
+              </a:rPr>
+              <a:t>Media and entertainment</a:t>
+            </a:r>
+            <a:endParaRPr sz="1600">
+              <a:solidFill>
+                <a:schemeClr val="dk1"/>
+              </a:solidFill>
+            </a:endParaRPr>
+          </a:p>
+          <a:p>
+            <a:pPr indent="-330200" lvl="0" marL="457200" rtl="0" algn="l">
+              <a:spcBef>
+                <a:spcPts val="0"/>
+              </a:spcBef>
+              <a:spcAft>
+                <a:spcPts val="0"/>
+              </a:spcAft>
+              <a:buClr>
+                <a:schemeClr val="dk1"/>
+              </a:buClr>
+              <a:buSzPts val="1600"/>
+              <a:buChar char="●"/>
+            </a:pPr>
+            <a:r>
+              <a:rPr lang="en" sz="1600">
+                <a:solidFill>
+                  <a:schemeClr val="dk1"/>
+                </a:solidFill>
+              </a:rPr>
+              <a:t>On-demand content</a:t>
+            </a:r>
+            <a:endParaRPr sz="1600">
+              <a:solidFill>
+                <a:schemeClr val="dk1"/>
+              </a:solidFill>
+            </a:endParaRPr>
+          </a:p>
+          <a:p>
+            <a:pPr indent="-330200" lvl="0" marL="457200" rtl="0" algn="l">
+              <a:spcBef>
+                <a:spcPts val="0"/>
+              </a:spcBef>
+              <a:spcAft>
+                <a:spcPts val="0"/>
+              </a:spcAft>
+              <a:buClr>
+                <a:schemeClr val="dk1"/>
+              </a:buClr>
+              <a:buSzPts val="1600"/>
+              <a:buChar char="●"/>
+            </a:pPr>
+            <a:r>
+              <a:rPr lang="en" sz="1600">
+                <a:solidFill>
+                  <a:schemeClr val="dk1"/>
+                </a:solidFill>
+              </a:rPr>
+              <a:t>Subscription management</a:t>
+            </a:r>
+            <a:endParaRPr sz="1600">
+              <a:solidFill>
+                <a:schemeClr val="dk1"/>
+              </a:solidFill>
+            </a:endParaRPr>
+          </a:p>
+          <a:p>
+            <a:pPr indent="-330200" lvl="0" marL="457200" rtl="0" algn="l">
+              <a:spcBef>
+                <a:spcPts val="0"/>
+              </a:spcBef>
+              <a:spcAft>
+                <a:spcPts val="0"/>
+              </a:spcAft>
+              <a:buClr>
+                <a:schemeClr val="dk1"/>
+              </a:buClr>
+              <a:buSzPts val="1600"/>
+              <a:buChar char="●"/>
+            </a:pPr>
+            <a:r>
+              <a:rPr lang="en" sz="1600">
+                <a:solidFill>
+                  <a:schemeClr val="dk1"/>
+                </a:solidFill>
+              </a:rPr>
+              <a:t>Installation and maintenance</a:t>
+            </a:r>
+            <a:endParaRPr sz="1600">
+              <a:solidFill>
+                <a:schemeClr val="dk1"/>
+              </a:solidFill>
+            </a:endParaRPr>
+          </a:p>
+          <a:p>
+            <a:pPr indent="0" lvl="0" marL="0" rtl="0" algn="l">
+              <a:spcBef>
+                <a:spcPts val="0"/>
+              </a:spcBef>
+              <a:spcAft>
+                <a:spcPts val="0"/>
+              </a:spcAft>
+              <a:buNone/>
+            </a:pPr>
+            <a:r>
               <a:t/>
             </a:r>
-            <a:endParaRPr sz="1500">
+            <a:endParaRPr sz="1600">
+              <a:solidFill>
+                <a:schemeClr val="dk1"/>
+              </a:solidFill>
+            </a:endParaRPr>
+          </a:p>
+          <a:p>
+            <a:pPr indent="0" lvl="0" marL="0" rtl="0" algn="l">
+              <a:spcBef>
+                <a:spcPts val="0"/>
+              </a:spcBef>
+              <a:spcAft>
+                <a:spcPts val="0"/>
+              </a:spcAft>
+              <a:buClr>
+                <a:schemeClr val="dk1"/>
+              </a:buClr>
+              <a:buSzPts val="1100"/>
+              <a:buFont typeface="Arial"/>
+              <a:buNone/>
+            </a:pPr>
+            <a:r>
+              <a:rPr lang="en" sz="1600">
+                <a:solidFill>
+                  <a:schemeClr val="dk1"/>
+                </a:solidFill>
+              </a:rPr>
+              <a:t>Education</a:t>
+            </a:r>
+            <a:endParaRPr sz="1600">
+              <a:solidFill>
+                <a:schemeClr val="dk1"/>
+              </a:solidFill>
+            </a:endParaRPr>
+          </a:p>
+          <a:p>
+            <a:pPr indent="-330200" lvl="0" marL="457200" rtl="0" algn="l">
+              <a:spcBef>
+                <a:spcPts val="0"/>
+              </a:spcBef>
+              <a:spcAft>
+                <a:spcPts val="0"/>
+              </a:spcAft>
+              <a:buClr>
+                <a:schemeClr val="dk1"/>
+              </a:buClr>
+              <a:buSzPts val="1600"/>
+              <a:buChar char="●"/>
+            </a:pPr>
+            <a:r>
+              <a:rPr lang="en" sz="1600">
+                <a:solidFill>
+                  <a:schemeClr val="dk1"/>
+                </a:solidFill>
+              </a:rPr>
+              <a:t>Student assistance</a:t>
+            </a:r>
+            <a:endParaRPr sz="1600">
+              <a:solidFill>
+                <a:schemeClr val="dk1"/>
+              </a:solidFill>
+            </a:endParaRPr>
+          </a:p>
+          <a:p>
+            <a:pPr indent="-330200" lvl="0" marL="457200" rtl="0" algn="l">
+              <a:spcBef>
+                <a:spcPts val="0"/>
+              </a:spcBef>
+              <a:spcAft>
+                <a:spcPts val="0"/>
+              </a:spcAft>
+              <a:buClr>
+                <a:schemeClr val="dk1"/>
+              </a:buClr>
+              <a:buSzPts val="1600"/>
+              <a:buChar char="●"/>
+            </a:pPr>
+            <a:r>
+              <a:rPr lang="en" sz="1600">
+                <a:solidFill>
+                  <a:schemeClr val="dk1"/>
+                </a:solidFill>
+              </a:rPr>
+              <a:t>Announcements and updates</a:t>
+            </a:r>
+            <a:endParaRPr sz="1600">
+              <a:solidFill>
+                <a:schemeClr val="dk1"/>
+              </a:solidFill>
+            </a:endParaRPr>
+          </a:p>
+          <a:p>
+            <a:pPr indent="-330200" lvl="0" marL="457200" rtl="0" algn="l">
+              <a:spcBef>
+                <a:spcPts val="0"/>
+              </a:spcBef>
+              <a:spcAft>
+                <a:spcPts val="0"/>
+              </a:spcAft>
+              <a:buClr>
+                <a:schemeClr val="dk1"/>
+              </a:buClr>
+              <a:buSzPts val="1600"/>
+              <a:buChar char="●"/>
+            </a:pPr>
+            <a:r>
+              <a:rPr lang="en" sz="1600">
+                <a:solidFill>
+                  <a:schemeClr val="dk1"/>
+                </a:solidFill>
+              </a:rPr>
+              <a:t>International student assistance</a:t>
+            </a:r>
+            <a:endParaRPr sz="1600">
               <a:solidFill>
                 <a:schemeClr val="dk1"/>
               </a:solidFill>
@@ -9766,12 +10607,52 @@
           <p:cNvPr id="96" name="Google Shape;96;p20"/>
           <p:cNvSpPr txBox="1"/>
           <p:nvPr>
+            <p:ph type="title"/>
+          </p:nvPr>
+        </p:nvSpPr>
+        <p:spPr>
+          <a:xfrm>
+            <a:off x="311700" y="445025"/>
+            <a:ext cx="8520600" cy="572700"/>
+          </a:xfrm>
+          <a:prstGeom prst="rect">
+            <a:avLst/>
+          </a:prstGeom>
+        </p:spPr>
+        <p:txBody>
+          <a:bodyPr anchorCtr="0" anchor="t" bIns="91425" lIns="91425" spcFirstLastPara="1" rIns="91425" wrap="square" tIns="91425">
+            <a:normAutofit fontScale="90000"/>
+          </a:bodyPr>
+          <a:lstStyle/>
+          <a:p>
+            <a:pPr indent="0" lvl="0" marL="0" rtl="0" algn="l">
+              <a:spcBef>
+                <a:spcPts val="0"/>
+              </a:spcBef>
+              <a:spcAft>
+                <a:spcPts val="0"/>
+              </a:spcAft>
+              <a:buNone/>
+            </a:pPr>
+            <a:r>
+              <a:rPr lang="en"/>
+              <a:t>Architecture of Chatbots</a:t>
+            </a:r>
+            <a:endParaRPr/>
+          </a:p>
+        </p:txBody>
+      </p:sp>
+      <p:sp>
+        <p:nvSpPr>
+          <p:cNvPr id="97" name="Google Shape;97;p20"/>
+          <p:cNvSpPr txBox="1"/>
+          <p:nvPr>
             <p:ph idx="1" type="body"/>
           </p:nvPr>
         </p:nvSpPr>
         <p:spPr>
           <a:xfrm>
-            <a:off x="311700" y="863550"/>
+            <a:off x="311700" y="1152475"/>
             <a:ext cx="8520600" cy="3416400"/>
           </a:xfrm>
           <a:prstGeom prst="rect">
@@ -9780,216 +10661,142 @@
         </p:spPr>
         <p:txBody>
           <a:bodyPr anchorCtr="0" anchor="t" bIns="91425" lIns="91425" spcFirstLastPara="1" rIns="91425" wrap="square" tIns="91425">
-            <a:noAutofit/>
+            <a:normAutofit/>
           </a:bodyPr>
           <a:lstStyle/>
           <a:p>
-            <a:pPr indent="0" lvl="0" marL="457200" rtl="0" algn="l">
-              <a:spcBef>
-                <a:spcPts val="0"/>
-              </a:spcBef>
-              <a:spcAft>
-                <a:spcPts val="0"/>
-              </a:spcAft>
-              <a:buClr>
-                <a:schemeClr val="dk1"/>
-              </a:buClr>
-              <a:buSzPts val="1100"/>
-              <a:buFont typeface="Arial"/>
-              <a:buNone/>
-            </a:pPr>
-            <a:r>
-              <a:rPr b="1" lang="en" sz="1700">
+            <a:pPr indent="0" lvl="0" marL="0" rtl="0" algn="l">
+              <a:spcBef>
+                <a:spcPts val="0"/>
+              </a:spcBef>
+              <a:spcAft>
+                <a:spcPts val="0"/>
+              </a:spcAft>
+              <a:buNone/>
+            </a:pPr>
+            <a:r>
+              <a:rPr lang="en" sz="1600">
                 <a:solidFill>
                   <a:schemeClr val="dk1"/>
                 </a:solidFill>
               </a:rPr>
-              <a:t>NLP Engine</a:t>
-            </a:r>
-            <a:endParaRPr b="1" sz="1700">
+              <a:t>Chatbot architecture is the heart of chatbot development. Based on the usability and context of business operations the architecture involved in building a chatbot changes dramatically. So, based on client requirements we need to alter different elements; but the basic communication flow remains the same.</a:t>
+            </a:r>
+            <a:endParaRPr sz="1600">
               <a:solidFill>
                 <a:schemeClr val="dk1"/>
               </a:solidFill>
             </a:endParaRPr>
           </a:p>
           <a:p>
-            <a:pPr indent="0" lvl="0" marL="457200" rtl="0" algn="l">
-              <a:spcBef>
-                <a:spcPts val="0"/>
-              </a:spcBef>
-              <a:spcAft>
-                <a:spcPts val="0"/>
-              </a:spcAft>
-              <a:buClr>
-                <a:schemeClr val="dk1"/>
-              </a:buClr>
-              <a:buSzPts val="1100"/>
-              <a:buFont typeface="Arial"/>
+            <a:pPr indent="0" lvl="0" marL="0" rtl="0" algn="l">
+              <a:spcBef>
+                <a:spcPts val="0"/>
+              </a:spcBef>
+              <a:spcAft>
+                <a:spcPts val="0"/>
+              </a:spcAft>
               <a:buNone/>
             </a:pPr>
             <a:r>
               <a:t/>
             </a:r>
-            <a:endParaRPr b="1" sz="1500">
+            <a:endParaRPr sz="1600">
               <a:solidFill>
                 <a:schemeClr val="dk1"/>
               </a:solidFill>
             </a:endParaRPr>
           </a:p>
           <a:p>
-            <a:pPr indent="0" lvl="0" marL="457200" rtl="0" algn="l">
-              <a:spcBef>
-                <a:spcPts val="0"/>
-              </a:spcBef>
-              <a:spcAft>
-                <a:spcPts val="0"/>
-              </a:spcAft>
-              <a:buClr>
-                <a:schemeClr val="dk1"/>
-              </a:buClr>
-              <a:buSzPts val="1100"/>
-              <a:buFont typeface="Arial"/>
-              <a:buNone/>
-            </a:pPr>
-            <a:r>
-              <a:rPr lang="en" sz="1500">
+            <a:pPr indent="0" lvl="0" marL="0" rtl="0" algn="l">
+              <a:spcBef>
+                <a:spcPts val="0"/>
+              </a:spcBef>
+              <a:spcAft>
+                <a:spcPts val="0"/>
+              </a:spcAft>
+              <a:buNone/>
+            </a:pPr>
+            <a:r>
+              <a:rPr lang="en" sz="1600">
                 <a:solidFill>
                   <a:schemeClr val="dk1"/>
                 </a:solidFill>
               </a:rPr>
-              <a:t>NLP Engine is the core component that interprets what users say at any given time and converts the language to structured inputs that system can further process. Since the chatbot is domain specific, it must support so many features. NLP engine contains advanced machine learning algorithms to identify the user’s intent and further matches them to the list of available intents the bot supports.</a:t>
-            </a:r>
-            <a:endParaRPr sz="1500">
+              <a:t>Following are the key components of a conversational chatbot architecture: </a:t>
+            </a:r>
+            <a:endParaRPr sz="1600">
               <a:solidFill>
                 <a:schemeClr val="dk1"/>
               </a:solidFill>
             </a:endParaRPr>
           </a:p>
           <a:p>
-            <a:pPr indent="0" lvl="0" marL="457200" rtl="0" algn="l">
-              <a:spcBef>
-                <a:spcPts val="0"/>
-              </a:spcBef>
-              <a:spcAft>
-                <a:spcPts val="0"/>
-              </a:spcAft>
-              <a:buClr>
-                <a:schemeClr val="dk1"/>
-              </a:buClr>
-              <a:buSzPts val="1100"/>
-              <a:buFont typeface="Arial"/>
+            <a:pPr indent="0" lvl="0" marL="0" rtl="0" algn="l">
+              <a:spcBef>
+                <a:spcPts val="0"/>
+              </a:spcBef>
+              <a:spcAft>
+                <a:spcPts val="0"/>
+              </a:spcAft>
               <a:buNone/>
             </a:pPr>
             <a:r>
               <a:t/>
             </a:r>
-            <a:endParaRPr sz="1500">
+            <a:endParaRPr sz="1600">
               <a:solidFill>
                 <a:schemeClr val="dk1"/>
               </a:solidFill>
             </a:endParaRPr>
           </a:p>
           <a:p>
-            <a:pPr indent="0" lvl="0" marL="457200" rtl="0" algn="l">
-              <a:spcBef>
-                <a:spcPts val="0"/>
-              </a:spcBef>
-              <a:spcAft>
-                <a:spcPts val="0"/>
-              </a:spcAft>
-              <a:buClr>
-                <a:schemeClr val="dk1"/>
-              </a:buClr>
-              <a:buSzPts val="1100"/>
-              <a:buFont typeface="Arial"/>
-              <a:buNone/>
-            </a:pPr>
-            <a:r>
-              <a:rPr lang="en" sz="1500">
+            <a:pPr indent="0" lvl="0" marL="0" rtl="0" algn="l">
+              <a:spcBef>
+                <a:spcPts val="0"/>
+              </a:spcBef>
+              <a:spcAft>
+                <a:spcPts val="0"/>
+              </a:spcAft>
+              <a:buNone/>
+            </a:pPr>
+            <a:r>
+              <a:rPr b="1" lang="en" sz="1600">
                 <a:solidFill>
                   <a:schemeClr val="dk1"/>
                 </a:solidFill>
               </a:rPr>
-              <a:t>NLP Engine further has two components:</a:t>
-            </a:r>
-            <a:endParaRPr sz="1500">
+              <a:t>Environment </a:t>
+            </a:r>
+            <a:endParaRPr b="1" sz="1600">
               <a:solidFill>
                 <a:schemeClr val="dk1"/>
               </a:solidFill>
             </a:endParaRPr>
           </a:p>
           <a:p>
-            <a:pPr indent="0" lvl="0" marL="457200" rtl="0" algn="l">
-              <a:spcBef>
-                <a:spcPts val="0"/>
-              </a:spcBef>
-              <a:spcAft>
-                <a:spcPts val="0"/>
-              </a:spcAft>
-              <a:buClr>
-                <a:schemeClr val="dk1"/>
-              </a:buClr>
-              <a:buSzPts val="1100"/>
-              <a:buFont typeface="Arial"/>
-              <a:buNone/>
-            </a:pPr>
-            <a:r>
-              <a:t/>
-            </a:r>
-            <a:endParaRPr sz="1500">
+            <a:pPr indent="0" lvl="0" marL="0" rtl="0" algn="l">
+              <a:spcBef>
+                <a:spcPts val="0"/>
+              </a:spcBef>
+              <a:spcAft>
+                <a:spcPts val="0"/>
+              </a:spcAft>
+              <a:buNone/>
+            </a:pPr>
+            <a:r>
+              <a:rPr lang="en" sz="1600">
+                <a:solidFill>
+                  <a:schemeClr val="dk1"/>
+                </a:solidFill>
+              </a:rPr>
+              <a:t>This is where the core Natural Learning Process (NLP) engine and context interpretation happens.</a:t>
+            </a:r>
+            <a:endParaRPr sz="1600">
               <a:solidFill>
                 <a:schemeClr val="dk1"/>
               </a:solidFill>
             </a:endParaRPr>
-          </a:p>
-          <a:p>
-            <a:pPr indent="0" lvl="0" marL="457200" rtl="0" algn="l">
-              <a:spcBef>
-                <a:spcPts val="0"/>
-              </a:spcBef>
-              <a:spcAft>
-                <a:spcPts val="0"/>
-              </a:spcAft>
-              <a:buClr>
-                <a:schemeClr val="dk1"/>
-              </a:buClr>
-              <a:buSzPts val="1100"/>
-              <a:buFont typeface="Arial"/>
-              <a:buNone/>
-            </a:pPr>
-            <a:r>
-              <a:rPr lang="en" sz="1500">
-                <a:solidFill>
-                  <a:schemeClr val="dk1"/>
-                </a:solidFill>
-              </a:rPr>
-              <a:t>Intent Classifier: Intent classifier takes user’s input identifies its meaning and relates back to one of the intents that the chatbot supports.</a:t>
-            </a:r>
-            <a:endParaRPr sz="1500">
-              <a:solidFill>
-                <a:schemeClr val="dk1"/>
-              </a:solidFill>
-            </a:endParaRPr>
-          </a:p>
-          <a:p>
-            <a:pPr indent="0" lvl="0" marL="457200" rtl="0" algn="l">
-              <a:spcBef>
-                <a:spcPts val="0"/>
-              </a:spcBef>
-              <a:spcAft>
-                <a:spcPts val="0"/>
-              </a:spcAft>
-              <a:buNone/>
-            </a:pPr>
-            <a:r>
-              <a:rPr lang="en" sz="1500">
-                <a:solidFill>
-                  <a:schemeClr val="dk1"/>
-                </a:solidFill>
-              </a:rPr>
-              <a:t>Entity Extractor: Entity extractor is what extracts key information from the user’s query. </a:t>
-            </a:r>
-            <a:endParaRPr sz="1500"/>
           </a:p>
         </p:txBody>
       </p:sp>
@@ -10006,7 +10813,7 @@
   <p:cSld>
     <p:spTree>
       <p:nvGrpSpPr>
-        <p:cNvPr id="100" name="Shape 100"/>
+        <p:cNvPr id="101" name="Shape 101"/>
         <p:cNvGrpSpPr/>
         <p:nvPr/>
       </p:nvGrpSpPr>
@@ -10020,7 +10827,7 @@
       </p:grpSpPr>
       <p:sp>
         <p:nvSpPr>
-          <p:cNvPr id="101" name="Google Shape;101;p21"/>
+          <p:cNvPr id="102" name="Google Shape;102;p21"/>
           <p:cNvSpPr txBox="1"/>
           <p:nvPr>
             <p:ph idx="1" type="body"/>
@@ -10028,8 +10835,8 @@
         </p:nvSpPr>
         <p:spPr>
           <a:xfrm>
-            <a:off x="311700" y="863550"/>
-            <a:ext cx="8520600" cy="3416400"/>
+            <a:off x="311700" y="390150"/>
+            <a:ext cx="8520600" cy="3906000"/>
           </a:xfrm>
           <a:prstGeom prst="rect">
             <a:avLst/>
@@ -10041,34 +10848,6 @@
           </a:bodyPr>
           <a:lstStyle/>
           <a:p>
-            <a:pPr indent="-323850" lvl="0" marL="457200" rtl="0" algn="l">
-              <a:spcBef>
-                <a:spcPts val="0"/>
-              </a:spcBef>
-              <a:spcAft>
-                <a:spcPts val="0"/>
-              </a:spcAft>
-              <a:buClr>
-                <a:schemeClr val="dk1"/>
-              </a:buClr>
-              <a:buSzPts val="1500"/>
-              <a:buChar char="●"/>
-            </a:pPr>
-            <a:r>
-              <a:rPr b="1" lang="en" sz="1500">
-                <a:solidFill>
-                  <a:schemeClr val="dk1"/>
-                </a:solidFill>
-              </a:rPr>
-              <a:t>Question and Answer System</a:t>
-            </a:r>
-            <a:endParaRPr b="1" sz="1500">
-              <a:solidFill>
-                <a:schemeClr val="dk1"/>
-              </a:solidFill>
-            </a:endParaRPr>
-          </a:p>
-          <a:p>
             <a:pPr indent="0" lvl="0" marL="457200" rtl="0" algn="l">
               <a:spcBef>
                 <a:spcPts val="0"/>
@@ -10084,9 +10863,14 @@
               <a:buNone/>
             </a:pPr>
             <a:r>
-              <a:t/>
-            </a:r>
-            <a:endParaRPr sz="1500">
+              <a:rPr b="1" lang="en" sz="1600">
+                <a:solidFill>
+                  <a:schemeClr val="dk1"/>
+                </a:solidFill>
+              </a:rPr>
+              <a:t>NLP Engine</a:t>
+            </a:r>
+            <a:endParaRPr b="1" sz="1600">
               <a:solidFill>
                 <a:schemeClr val="dk1"/>
               </a:solidFill>
@@ -10108,14 +10892,9 @@
               <a:buNone/>
             </a:pPr>
             <a:r>
-              <a:rPr lang="en" sz="1500">
-                <a:solidFill>
-                  <a:schemeClr val="dk1"/>
-                </a:solidFill>
-              </a:rPr>
-              <a:t>This is the key component in answering users’ frequently asked questions. Q &amp; A system interprets the question and responds with relevant answers from the knowledge base. It has the following components</a:t>
-            </a:r>
-            <a:endParaRPr sz="1500">
+              <a:t/>
+            </a:r>
+            <a:endParaRPr b="1" sz="1500">
               <a:solidFill>
                 <a:schemeClr val="dk1"/>
               </a:solidFill>
@@ -10137,9 +10916,14 @@
               <a:buNone/>
             </a:pPr>
             <a:r>
-              <a:t/>
-            </a:r>
-            <a:endParaRPr sz="1500">
+              <a:rPr lang="en" sz="1600">
+                <a:solidFill>
+                  <a:schemeClr val="dk1"/>
+                </a:solidFill>
+              </a:rPr>
+              <a:t>NLP Engine is the core component that interprets what users say at any given time and converts the language to structured inputs that system can further process. Since the chatbot is domain specific, it must support so many features. NLP engine contains advanced machine learning algorithms to identify the user’s intent and further matches them to the list of available intents the bot supports.</a:t>
+            </a:r>
+            <a:endParaRPr sz="1600">
               <a:solidFill>
                 <a:schemeClr val="dk1"/>
               </a:solidFill>
@@ -10161,22 +10945,9 @@
               <a:buNone/>
             </a:pPr>
             <a:r>
-              <a:rPr b="1" lang="en" sz="1500">
-                <a:solidFill>
-                  <a:schemeClr val="dk1"/>
-                </a:solidFill>
-              </a:rPr>
-              <a:t>Manual Training:</a:t>
-            </a:r>
-            <a:r>
-              <a:rPr lang="en" sz="1500">
-                <a:solidFill>
-                  <a:schemeClr val="dk1"/>
-                </a:solidFill>
-              </a:rPr>
-              <a:t> Manual training involves the domain expert creating the list of frequently asked users queries and map its answers. This helps the bot quickly identify the answers to the most important questions.</a:t>
-            </a:r>
-            <a:endParaRPr sz="1500">
+              <a:t/>
+            </a:r>
+            <a:endParaRPr sz="1600">
               <a:solidFill>
                 <a:schemeClr val="dk1"/>
               </a:solidFill>
@@ -10198,9 +10969,14 @@
               <a:buNone/>
             </a:pPr>
             <a:r>
-              <a:t/>
-            </a:r>
-            <a:endParaRPr sz="1500">
+              <a:rPr lang="en" sz="1600">
+                <a:solidFill>
+                  <a:schemeClr val="dk1"/>
+                </a:solidFill>
+              </a:rPr>
+              <a:t>NLP Engine further has two components:</a:t>
+            </a:r>
+            <a:endParaRPr sz="1600">
               <a:solidFill>
                 <a:schemeClr val="dk1"/>
               </a:solidFill>
@@ -10222,41 +10998,102 @@
               <a:buNone/>
             </a:pPr>
             <a:r>
-              <a:rPr b="1" lang="en" sz="1500">
-                <a:solidFill>
-                  <a:schemeClr val="dk1"/>
-                </a:solidFill>
-              </a:rPr>
-              <a:t>Automated Training:</a:t>
-            </a:r>
-            <a:r>
-              <a:rPr lang="en" sz="1500">
-                <a:solidFill>
-                  <a:schemeClr val="dk1"/>
-                </a:solidFill>
-              </a:rPr>
-              <a:t> Automated training involves submitting the company’s documents like policy documents and other Q&amp;A type of documents to the bot and ask it to train itself. The engine comes up with a list of question and answers from these documents. The bot then can answer with confidence.</a:t>
-            </a:r>
-            <a:endParaRPr sz="1500">
+              <a:t/>
+            </a:r>
+            <a:endParaRPr sz="1600">
               <a:solidFill>
                 <a:schemeClr val="dk1"/>
               </a:solidFill>
             </a:endParaRPr>
           </a:p>
           <a:p>
-            <a:pPr indent="0" lvl="0" marL="0" rtl="0" algn="l">
-              <a:spcBef>
-                <a:spcPts val="0"/>
-              </a:spcBef>
-              <a:spcAft>
-                <a:spcPts val="1200"/>
-              </a:spcAft>
+            <a:pPr indent="0" lvl="0" marL="457200" rtl="0" algn="l">
+              <a:spcBef>
+                <a:spcPts val="0"/>
+              </a:spcBef>
+              <a:spcAft>
+                <a:spcPts val="0"/>
+              </a:spcAft>
+              <a:buClr>
+                <a:schemeClr val="dk1"/>
+              </a:buClr>
+              <a:buSzPts val="1100"/>
+              <a:buFont typeface="Arial"/>
+              <a:buNone/>
+            </a:pPr>
+            <a:r>
+              <a:rPr b="1" lang="en" sz="1600">
+                <a:solidFill>
+                  <a:schemeClr val="dk1"/>
+                </a:solidFill>
+              </a:rPr>
+              <a:t>Intent Classifier:</a:t>
+            </a:r>
+            <a:r>
+              <a:rPr lang="en" sz="1600">
+                <a:solidFill>
+                  <a:schemeClr val="dk1"/>
+                </a:solidFill>
+              </a:rPr>
+              <a:t> Intent classifier takes user’s input identifies its meaning and relates back to one of the intents that the chatbot supports.</a:t>
+            </a:r>
+            <a:endParaRPr sz="1600">
+              <a:solidFill>
+                <a:schemeClr val="dk1"/>
+              </a:solidFill>
+            </a:endParaRPr>
+          </a:p>
+          <a:p>
+            <a:pPr indent="0" lvl="0" marL="457200" rtl="0" algn="l">
+              <a:spcBef>
+                <a:spcPts val="0"/>
+              </a:spcBef>
+              <a:spcAft>
+                <a:spcPts val="0"/>
+              </a:spcAft>
+              <a:buClr>
+                <a:schemeClr val="dk1"/>
+              </a:buClr>
+              <a:buSzPts val="1100"/>
+              <a:buFont typeface="Arial"/>
               <a:buNone/>
             </a:pPr>
             <a:r>
               <a:t/>
             </a:r>
-            <a:endParaRPr sz="1500"/>
+            <a:endParaRPr sz="1600">
+              <a:solidFill>
+                <a:schemeClr val="dk1"/>
+              </a:solidFill>
+            </a:endParaRPr>
+          </a:p>
+          <a:p>
+            <a:pPr indent="0" lvl="0" marL="457200" rtl="0" algn="l">
+              <a:spcBef>
+                <a:spcPts val="0"/>
+              </a:spcBef>
+              <a:spcAft>
+                <a:spcPts val="0"/>
+              </a:spcAft>
+              <a:buNone/>
+            </a:pPr>
+            <a:r>
+              <a:rPr b="1" lang="en" sz="1600">
+                <a:solidFill>
+                  <a:schemeClr val="dk1"/>
+                </a:solidFill>
+              </a:rPr>
+              <a:t>Entity Extractor:</a:t>
+            </a:r>
+            <a:r>
+              <a:rPr lang="en" sz="1600">
+                <a:solidFill>
+                  <a:schemeClr val="dk1"/>
+                </a:solidFill>
+              </a:rPr>
+              <a:t> Entity extractor is what extracts key information from the user’s query. </a:t>
+            </a:r>
+            <a:endParaRPr sz="1600"/>
           </a:p>
         </p:txBody>
       </p:sp>
